--- a/Design Documents/PresentationSoftEng.pptx
+++ b/Design Documents/PresentationSoftEng.pptx
@@ -8,11 +8,14 @@
     <p:sldId id="256" r:id="rId2"/>
     <p:sldId id="257" r:id="rId3"/>
     <p:sldId id="262" r:id="rId4"/>
-    <p:sldId id="258" r:id="rId5"/>
-    <p:sldId id="259" r:id="rId6"/>
-    <p:sldId id="260" r:id="rId7"/>
-    <p:sldId id="263" r:id="rId8"/>
-    <p:sldId id="261" r:id="rId9"/>
+    <p:sldId id="261" r:id="rId5"/>
+    <p:sldId id="263" r:id="rId6"/>
+    <p:sldId id="258" r:id="rId7"/>
+    <p:sldId id="264" r:id="rId8"/>
+    <p:sldId id="259" r:id="rId9"/>
+    <p:sldId id="266" r:id="rId10"/>
+    <p:sldId id="265" r:id="rId11"/>
+    <p:sldId id="267" r:id="rId12"/>
   </p:sldIdLst>
   <p:sldSz cx="9144000" cy="6858000" type="screen4x3"/>
   <p:notesSz cx="6858000" cy="9144000"/>
@@ -599,7 +602,7 @@
             <a:fld id="{7D0065BE-0657-4A47-90AD-C21C55E16B19}" type="datetime4">
               <a:rPr lang="en-US" smtClean="0"/>
               <a:pPr/>
-              <a:t>September 28, 2016</a:t>
+              <a:t>September 29, 2016</a:t>
             </a:fld>
             <a:endParaRPr lang="en-US"/>
           </a:p>
@@ -764,7 +767,7 @@
             <a:fld id="{A16C3AA4-67BE-44F7-809A-3582401494AF}" type="datetime4">
               <a:rPr lang="en-US" smtClean="0"/>
               <a:pPr/>
-              <a:t>September 28, 2016</a:t>
+              <a:t>September 29, 2016</a:t>
             </a:fld>
             <a:endParaRPr lang="en-US"/>
           </a:p>
@@ -940,7 +943,7 @@
             <a:fld id="{25172EEB-1769-4776-AD69-E7C1260563EB}" type="datetime4">
               <a:rPr lang="en-US" smtClean="0"/>
               <a:pPr/>
-              <a:t>September 28, 2016</a:t>
+              <a:t>September 29, 2016</a:t>
             </a:fld>
             <a:endParaRPr lang="en-US"/>
           </a:p>
@@ -1106,7 +1109,7 @@
             <a:fld id="{D47BB8AF-C16A-4836-A92D-61834B5F0BA5}" type="datetime4">
               <a:rPr lang="en-US" smtClean="0"/>
               <a:pPr/>
-              <a:t>September 28, 2016</a:t>
+              <a:t>September 29, 2016</a:t>
             </a:fld>
             <a:endParaRPr lang="en-US"/>
           </a:p>
@@ -1661,7 +1664,7 @@
             <a:fld id="{647D2193-4505-4A75-99BB-880C6989A757}" type="datetime4">
               <a:rPr lang="en-US" smtClean="0"/>
               <a:pPr/>
-              <a:t>September 28, 2016</a:t>
+              <a:t>September 29, 2016</a:t>
             </a:fld>
             <a:endParaRPr lang="en-US"/>
           </a:p>
@@ -1923,7 +1926,7 @@
             <a:fld id="{113A18F4-33C3-445B-924C-31108C51719C}" type="datetime4">
               <a:rPr lang="en-US" smtClean="0"/>
               <a:pPr/>
-              <a:t>September 28, 2016</a:t>
+              <a:t>September 29, 2016</a:t>
             </a:fld>
             <a:endParaRPr lang="en-US"/>
           </a:p>
@@ -2411,7 +2414,7 @@
             <a:fld id="{3AF7543A-E259-478F-9E0D-57BA40E442B7}" type="datetime4">
               <a:rPr lang="en-US" smtClean="0"/>
               <a:pPr/>
-              <a:t>September 28, 2016</a:t>
+              <a:t>September 29, 2016</a:t>
             </a:fld>
             <a:endParaRPr lang="en-US"/>
           </a:p>
@@ -2525,7 +2528,7 @@
             <a:fld id="{1EFB012D-77A1-44B0-BB26-329BA1EE55C9}" type="datetime4">
               <a:rPr lang="en-US" smtClean="0"/>
               <a:pPr/>
-              <a:t>September 28, 2016</a:t>
+              <a:t>September 29, 2016</a:t>
             </a:fld>
             <a:endParaRPr lang="en-US"/>
           </a:p>
@@ -2617,7 +2620,7 @@
             <a:fld id="{94B7499E-3031-413E-B01E-B94970708CAA}" type="datetime4">
               <a:rPr lang="en-US" smtClean="0"/>
               <a:pPr/>
-              <a:t>September 28, 2016</a:t>
+              <a:t>September 29, 2016</a:t>
             </a:fld>
             <a:endParaRPr lang="en-US"/>
           </a:p>
@@ -3049,7 +3052,7 @@
             <a:fld id="{DC7EAB0C-2220-4D0E-A0DD-DB7FA0F742F4}" type="datetime4">
               <a:rPr lang="en-US" smtClean="0"/>
               <a:pPr/>
-              <a:t>September 28, 2016</a:t>
+              <a:t>September 29, 2016</a:t>
             </a:fld>
             <a:endParaRPr lang="en-US"/>
           </a:p>
@@ -3579,7 +3582,7 @@
             <a:fld id="{E3416D63-31BF-4B94-B6C5-E20B2C63F515}" type="datetime4">
               <a:rPr lang="en-US" smtClean="0"/>
               <a:pPr/>
-              <a:t>September 28, 2016</a:t>
+              <a:t>September 29, 2016</a:t>
             </a:fld>
             <a:endParaRPr lang="en-US"/>
           </a:p>
@@ -4421,7 +4424,7 @@
             <a:fld id="{62B1B13E-D5AF-485E-81A1-82A140076526}" type="datetime4">
               <a:rPr lang="en-US" smtClean="0"/>
               <a:pPr/>
-              <a:t>September 28, 2016</a:t>
+              <a:t>September 29, 2016</a:t>
             </a:fld>
             <a:endParaRPr lang="en-US" dirty="0"/>
           </a:p>
@@ -4879,6 +4882,162 @@
 </p:sld>
 </file>
 
+<file path=ppt/slides/slide10.xml><?xml version="1.0" encoding="utf-8"?>
+<p:sld xmlns:a="http://schemas.openxmlformats.org/drawingml/2006/main" xmlns:r="http://schemas.openxmlformats.org/officeDocument/2006/relationships" xmlns:p="http://schemas.openxmlformats.org/presentationml/2006/main">
+  <p:cSld>
+    <p:spTree>
+      <p:nvGrpSpPr>
+        <p:cNvPr id="1" name=""/>
+        <p:cNvGrpSpPr/>
+        <p:nvPr/>
+      </p:nvGrpSpPr>
+      <p:grpSpPr>
+        <a:xfrm>
+          <a:off x="0" y="0"/>
+          <a:ext cx="0" cy="0"/>
+          <a:chOff x="0" y="0"/>
+          <a:chExt cx="0" cy="0"/>
+        </a:xfrm>
+      </p:grpSpPr>
+      <p:pic>
+        <p:nvPicPr>
+          <p:cNvPr id="7" name="Content Placeholder 6"/>
+          <p:cNvPicPr>
+            <a:picLocks noGrp="1" noChangeAspect="1"/>
+          </p:cNvPicPr>
+          <p:nvPr>
+            <p:ph idx="1"/>
+          </p:nvPr>
+        </p:nvPicPr>
+        <p:blipFill>
+          <a:blip r:embed="rId2" cstate="email">
+            <a:extLst>
+              <a:ext uri="{28A0092B-C50C-407E-A947-70E740481C1C}">
+                <a14:useLocalDpi xmlns:a14="http://schemas.microsoft.com/office/drawing/2010/main" val="0"/>
+              </a:ext>
+            </a:extLst>
+          </a:blip>
+          <a:stretch>
+            <a:fillRect/>
+          </a:stretch>
+        </p:blipFill>
+        <p:spPr>
+          <a:xfrm>
+            <a:off x="1834673" y="993606"/>
+            <a:ext cx="5727699" cy="3579812"/>
+          </a:xfrm>
+        </p:spPr>
+      </p:pic>
+      <p:sp>
+        <p:nvSpPr>
+          <p:cNvPr id="6" name="Title 5"/>
+          <p:cNvSpPr>
+            <a:spLocks noGrp="1"/>
+          </p:cNvSpPr>
+          <p:nvPr>
+            <p:ph type="title"/>
+          </p:nvPr>
+        </p:nvSpPr>
+        <p:spPr/>
+        <p:txBody>
+          <a:bodyPr/>
+          <a:lstStyle/>
+          <a:p>
+            <a:endParaRPr lang="en-US"/>
+          </a:p>
+        </p:txBody>
+      </p:sp>
+    </p:spTree>
+    <p:extLst>
+      <p:ext uri="{BB962C8B-B14F-4D97-AF65-F5344CB8AC3E}">
+        <p14:creationId xmlns:p14="http://schemas.microsoft.com/office/powerpoint/2010/main" val="787323065"/>
+      </p:ext>
+    </p:extLst>
+  </p:cSld>
+  <p:clrMapOvr>
+    <a:masterClrMapping/>
+  </p:clrMapOvr>
+</p:sld>
+</file>
+
+<file path=ppt/slides/slide11.xml><?xml version="1.0" encoding="utf-8"?>
+<p:sld xmlns:a="http://schemas.openxmlformats.org/drawingml/2006/main" xmlns:r="http://schemas.openxmlformats.org/officeDocument/2006/relationships" xmlns:p="http://schemas.openxmlformats.org/presentationml/2006/main">
+  <p:cSld>
+    <p:spTree>
+      <p:nvGrpSpPr>
+        <p:cNvPr id="1" name=""/>
+        <p:cNvGrpSpPr/>
+        <p:nvPr/>
+      </p:nvGrpSpPr>
+      <p:grpSpPr>
+        <a:xfrm>
+          <a:off x="0" y="0"/>
+          <a:ext cx="0" cy="0"/>
+          <a:chOff x="0" y="0"/>
+          <a:chExt cx="0" cy="0"/>
+        </a:xfrm>
+      </p:grpSpPr>
+      <p:sp>
+        <p:nvSpPr>
+          <p:cNvPr id="4" name="Title 3"/>
+          <p:cNvSpPr>
+            <a:spLocks noGrp="1"/>
+          </p:cNvSpPr>
+          <p:nvPr>
+            <p:ph type="title"/>
+          </p:nvPr>
+        </p:nvSpPr>
+        <p:spPr/>
+        <p:txBody>
+          <a:bodyPr/>
+          <a:lstStyle/>
+          <a:p>
+            <a:endParaRPr lang="en-US"/>
+          </a:p>
+        </p:txBody>
+      </p:sp>
+      <p:pic>
+        <p:nvPicPr>
+          <p:cNvPr id="6" name="Content Placeholder 5"/>
+          <p:cNvPicPr>
+            <a:picLocks noGrp="1" noChangeAspect="1"/>
+          </p:cNvPicPr>
+          <p:nvPr>
+            <p:ph idx="1"/>
+          </p:nvPr>
+        </p:nvPicPr>
+        <p:blipFill>
+          <a:blip r:embed="rId2">
+            <a:extLst>
+              <a:ext uri="{28A0092B-C50C-407E-A947-70E740481C1C}">
+                <a14:useLocalDpi xmlns:a14="http://schemas.microsoft.com/office/drawing/2010/main" val="0"/>
+              </a:ext>
+            </a:extLst>
+          </a:blip>
+          <a:stretch>
+            <a:fillRect/>
+          </a:stretch>
+        </p:blipFill>
+        <p:spPr>
+          <a:xfrm>
+            <a:off x="-75221" y="-1"/>
+            <a:ext cx="9219221" cy="6935823"/>
+          </a:xfrm>
+        </p:spPr>
+      </p:pic>
+    </p:spTree>
+    <p:extLst>
+      <p:ext uri="{BB962C8B-B14F-4D97-AF65-F5344CB8AC3E}">
+        <p14:creationId xmlns:p14="http://schemas.microsoft.com/office/powerpoint/2010/main" val="2276295754"/>
+      </p:ext>
+    </p:extLst>
+  </p:cSld>
+  <p:clrMapOvr>
+    <a:masterClrMapping/>
+  </p:clrMapOvr>
+</p:sld>
+</file>
+
 <file path=ppt/slides/slide2.xml><?xml version="1.0" encoding="utf-8"?>
 <p:sld xmlns:a="http://schemas.openxmlformats.org/drawingml/2006/main" xmlns:r="http://schemas.openxmlformats.org/officeDocument/2006/relationships" xmlns:p="http://schemas.openxmlformats.org/presentationml/2006/main">
   <p:cSld>
@@ -5081,7 +5240,7 @@
         </p:blipFill>
         <p:spPr>
           <a:xfrm>
-            <a:off x="2459578" y="1871003"/>
+            <a:off x="3542654" y="1871003"/>
             <a:ext cx="6684421" cy="3181378"/>
           </a:xfrm>
           <a:prstGeom prst="rect">
@@ -5091,7 +5250,7 @@
       </p:pic>
       <p:pic>
         <p:nvPicPr>
-          <p:cNvPr id="6" name="Content Placeholder 5"/>
+          <p:cNvPr id="5" name="Content Placeholder 4"/>
           <p:cNvPicPr>
             <a:picLocks noGrp="1" noChangeAspect="1"/>
           </p:cNvPicPr>
@@ -5113,8 +5272,8 @@
         </p:blipFill>
         <p:spPr>
           <a:xfrm>
-            <a:off x="822960" y="914400"/>
-            <a:ext cx="3104832" cy="3610805"/>
+            <a:off x="1003618" y="808755"/>
+            <a:ext cx="3579812" cy="3579812"/>
           </a:xfrm>
         </p:spPr>
       </p:pic>
@@ -5132,580 +5291,6 @@
 </file>
 
 <file path=ppt/slides/slide4.xml><?xml version="1.0" encoding="utf-8"?>
-<p:sld xmlns:a="http://schemas.openxmlformats.org/drawingml/2006/main" xmlns:r="http://schemas.openxmlformats.org/officeDocument/2006/relationships" xmlns:p="http://schemas.openxmlformats.org/presentationml/2006/main">
-  <p:cSld>
-    <p:spTree>
-      <p:nvGrpSpPr>
-        <p:cNvPr id="1" name=""/>
-        <p:cNvGrpSpPr/>
-        <p:nvPr/>
-      </p:nvGrpSpPr>
-      <p:grpSpPr>
-        <a:xfrm>
-          <a:off x="0" y="0"/>
-          <a:ext cx="0" cy="0"/>
-          <a:chOff x="0" y="0"/>
-          <a:chExt cx="0" cy="0"/>
-        </a:xfrm>
-      </p:grpSpPr>
-      <p:sp>
-        <p:nvSpPr>
-          <p:cNvPr id="2" name="Title 1"/>
-          <p:cNvSpPr>
-            <a:spLocks noGrp="1"/>
-          </p:cNvSpPr>
-          <p:nvPr>
-            <p:ph type="title"/>
-          </p:nvPr>
-        </p:nvSpPr>
-        <p:spPr/>
-        <p:txBody>
-          <a:bodyPr/>
-          <a:lstStyle/>
-          <a:p>
-            <a:r>
-              <a:rPr lang="en-US" dirty="0"/>
-              <a:t>Why v-menu</a:t>
-            </a:r>
-          </a:p>
-        </p:txBody>
-      </p:sp>
-      <p:sp>
-        <p:nvSpPr>
-          <p:cNvPr id="3" name="Content Placeholder 2"/>
-          <p:cNvSpPr>
-            <a:spLocks noGrp="1"/>
-          </p:cNvSpPr>
-          <p:nvPr>
-            <p:ph idx="1"/>
-          </p:nvPr>
-        </p:nvSpPr>
-        <p:spPr/>
-        <p:txBody>
-          <a:bodyPr>
-            <a:normAutofit/>
-          </a:bodyPr>
-          <a:lstStyle/>
-          <a:p>
-            <a:pPr>
-              <a:buFont typeface="Arial"/>
-              <a:buChar char="•"/>
-            </a:pPr>
-            <a:r>
-              <a:rPr lang="en-US" sz="2400" dirty="0"/>
-              <a:t>Convenience </a:t>
-            </a:r>
-          </a:p>
-          <a:p>
-            <a:pPr>
-              <a:buFont typeface="Arial"/>
-              <a:buChar char="•"/>
-            </a:pPr>
-            <a:r>
-              <a:rPr lang="en-US" sz="2400" dirty="0"/>
-              <a:t>Speed</a:t>
-            </a:r>
-          </a:p>
-          <a:p>
-            <a:pPr>
-              <a:buFont typeface="Arial"/>
-              <a:buChar char="•"/>
-            </a:pPr>
-            <a:r>
-              <a:rPr lang="en-US" sz="2400" dirty="0"/>
-              <a:t>Control</a:t>
-            </a:r>
-          </a:p>
-          <a:p>
-            <a:pPr>
-              <a:buFont typeface="Arial"/>
-              <a:buChar char="•"/>
-            </a:pPr>
-            <a:r>
-              <a:rPr lang="en-US" sz="2400" dirty="0"/>
-              <a:t>Customer Satisfaction</a:t>
-            </a:r>
-          </a:p>
-          <a:p>
-            <a:pPr>
-              <a:buFont typeface="Arial"/>
-              <a:buChar char="•"/>
-            </a:pPr>
-            <a:r>
-              <a:rPr lang="en-US" sz="2400" dirty="0"/>
-              <a:t>Efficient</a:t>
-            </a:r>
-          </a:p>
-          <a:p>
-            <a:pPr>
-              <a:buFont typeface="Arial"/>
-              <a:buChar char="•"/>
-            </a:pPr>
-            <a:r>
-              <a:rPr lang="en-US" sz="2400" dirty="0"/>
-              <a:t>Modern </a:t>
-            </a:r>
-          </a:p>
-          <a:p>
-            <a:pPr>
-              <a:buFont typeface="Arial"/>
-              <a:buChar char="•"/>
-            </a:pPr>
-            <a:r>
-              <a:rPr lang="en-US" sz="2400" dirty="0"/>
-              <a:t>Privacy </a:t>
-            </a:r>
-          </a:p>
-        </p:txBody>
-      </p:sp>
-      <p:pic>
-        <p:nvPicPr>
-          <p:cNvPr id="5" name="Content Placeholder 3" descr="waiter-tray_full.jpeg"/>
-          <p:cNvPicPr>
-            <a:picLocks noChangeAspect="1"/>
-          </p:cNvPicPr>
-          <p:nvPr/>
-        </p:nvPicPr>
-        <p:blipFill>
-          <a:blip r:embed="rId2" cstate="email">
-            <a:extLst>
-              <a:ext uri="{28A0092B-C50C-407E-A947-70E740481C1C}">
-                <a14:useLocalDpi xmlns:a14="http://schemas.microsoft.com/office/drawing/2010/main" val="0"/>
-              </a:ext>
-            </a:extLst>
-          </a:blip>
-          <a:srcRect l="-20072" r="-20072"/>
-          <a:stretch>
-            <a:fillRect/>
-          </a:stretch>
-        </p:blipFill>
-        <p:spPr>
-          <a:xfrm>
-            <a:off x="3353047" y="1100628"/>
-            <a:ext cx="6491830" cy="3897995"/>
-          </a:xfrm>
-          <a:prstGeom prst="rect">
-            <a:avLst/>
-          </a:prstGeom>
-        </p:spPr>
-      </p:pic>
-    </p:spTree>
-    <p:extLst>
-      <p:ext uri="{BB962C8B-B14F-4D97-AF65-F5344CB8AC3E}">
-        <p14:creationId xmlns:p14="http://schemas.microsoft.com/office/powerpoint/2010/main" val="1667595165"/>
-      </p:ext>
-    </p:extLst>
-  </p:cSld>
-  <p:clrMapOvr>
-    <a:masterClrMapping/>
-  </p:clrMapOvr>
-</p:sld>
-</file>
-
-<file path=ppt/slides/slide5.xml><?xml version="1.0" encoding="utf-8"?>
-<p:sld xmlns:a="http://schemas.openxmlformats.org/drawingml/2006/main" xmlns:r="http://schemas.openxmlformats.org/officeDocument/2006/relationships" xmlns:p="http://schemas.openxmlformats.org/presentationml/2006/main">
-  <p:cSld>
-    <p:spTree>
-      <p:nvGrpSpPr>
-        <p:cNvPr id="1" name=""/>
-        <p:cNvGrpSpPr/>
-        <p:nvPr/>
-      </p:nvGrpSpPr>
-      <p:grpSpPr>
-        <a:xfrm>
-          <a:off x="0" y="0"/>
-          <a:ext cx="0" cy="0"/>
-          <a:chOff x="0" y="0"/>
-          <a:chExt cx="0" cy="0"/>
-        </a:xfrm>
-      </p:grpSpPr>
-      <p:sp>
-        <p:nvSpPr>
-          <p:cNvPr id="2" name="Title 1"/>
-          <p:cNvSpPr>
-            <a:spLocks noGrp="1"/>
-          </p:cNvSpPr>
-          <p:nvPr>
-            <p:ph type="title"/>
-          </p:nvPr>
-        </p:nvSpPr>
-        <p:spPr/>
-        <p:txBody>
-          <a:bodyPr/>
-          <a:lstStyle/>
-          <a:p>
-            <a:r>
-              <a:rPr lang="en-US" dirty="0"/>
-              <a:t>Convenience &amp; Speed</a:t>
-            </a:r>
-          </a:p>
-        </p:txBody>
-      </p:sp>
-      <p:sp>
-        <p:nvSpPr>
-          <p:cNvPr id="3" name="Content Placeholder 2"/>
-          <p:cNvSpPr>
-            <a:spLocks noGrp="1"/>
-          </p:cNvSpPr>
-          <p:nvPr>
-            <p:ph idx="1"/>
-          </p:nvPr>
-        </p:nvSpPr>
-        <p:spPr/>
-        <p:txBody>
-          <a:bodyPr>
-            <a:normAutofit/>
-          </a:bodyPr>
-          <a:lstStyle/>
-          <a:p>
-            <a:r>
-              <a:rPr lang="en-US" sz="2000" dirty="0"/>
-              <a:t>Your order history is available to you and you can simply </a:t>
-            </a:r>
-          </a:p>
-          <a:p>
-            <a:r>
-              <a:rPr lang="en-US" sz="2000" dirty="0"/>
-              <a:t>	reorder your favorite item in a couple of clicks !!</a:t>
-            </a:r>
-          </a:p>
-          <a:p>
-            <a:endParaRPr lang="en-US" sz="2000" dirty="0"/>
-          </a:p>
-          <a:p>
-            <a:r>
-              <a:rPr lang="en-US" sz="2000" dirty="0"/>
-              <a:t>Fast and easy </a:t>
-            </a:r>
-          </a:p>
-          <a:p>
-            <a:r>
-              <a:rPr lang="en-US" sz="2000" dirty="0"/>
-              <a:t>for</a:t>
-            </a:r>
-          </a:p>
-          <a:p>
-            <a:r>
-              <a:rPr lang="en-US" sz="2000" dirty="0"/>
-              <a:t>Customers</a:t>
-            </a:r>
-          </a:p>
-          <a:p>
-            <a:r>
-              <a:rPr lang="en-US" sz="2000" dirty="0"/>
-              <a:t>And</a:t>
-            </a:r>
-          </a:p>
-          <a:p>
-            <a:r>
-              <a:rPr lang="en-US" sz="2000" dirty="0"/>
-              <a:t>Staff</a:t>
-            </a:r>
-          </a:p>
-        </p:txBody>
-      </p:sp>
-      <p:pic>
-        <p:nvPicPr>
-          <p:cNvPr id="4" name="Content Placeholder 3" descr="_burger.jpg"/>
-          <p:cNvPicPr>
-            <a:picLocks noChangeAspect="1"/>
-          </p:cNvPicPr>
-          <p:nvPr/>
-        </p:nvPicPr>
-        <p:blipFill>
-          <a:blip r:embed="rId2">
-            <a:extLst>
-              <a:ext uri="{28A0092B-C50C-407E-A947-70E740481C1C}">
-                <a14:useLocalDpi xmlns:a14="http://schemas.microsoft.com/office/drawing/2010/main" val="0"/>
-              </a:ext>
-            </a:extLst>
-          </a:blip>
-          <a:srcRect l="-34036" r="-34036"/>
-          <a:stretch>
-            <a:fillRect/>
-          </a:stretch>
-        </p:blipFill>
-        <p:spPr>
-          <a:xfrm>
-            <a:off x="1814368" y="1859421"/>
-            <a:ext cx="6265624" cy="2982338"/>
-          </a:xfrm>
-          <a:prstGeom prst="rect">
-            <a:avLst/>
-          </a:prstGeom>
-        </p:spPr>
-      </p:pic>
-    </p:spTree>
-    <p:extLst>
-      <p:ext uri="{BB962C8B-B14F-4D97-AF65-F5344CB8AC3E}">
-        <p14:creationId xmlns:p14="http://schemas.microsoft.com/office/powerpoint/2010/main" val="2612279065"/>
-      </p:ext>
-    </p:extLst>
-  </p:cSld>
-  <p:clrMapOvr>
-    <a:masterClrMapping/>
-  </p:clrMapOvr>
-</p:sld>
-</file>
-
-<file path=ppt/slides/slide6.xml><?xml version="1.0" encoding="utf-8"?>
-<p:sld xmlns:a="http://schemas.openxmlformats.org/drawingml/2006/main" xmlns:r="http://schemas.openxmlformats.org/officeDocument/2006/relationships" xmlns:p="http://schemas.openxmlformats.org/presentationml/2006/main">
-  <p:cSld>
-    <p:spTree>
-      <p:nvGrpSpPr>
-        <p:cNvPr id="1" name=""/>
-        <p:cNvGrpSpPr/>
-        <p:nvPr/>
-      </p:nvGrpSpPr>
-      <p:grpSpPr>
-        <a:xfrm>
-          <a:off x="0" y="0"/>
-          <a:ext cx="0" cy="0"/>
-          <a:chOff x="0" y="0"/>
-          <a:chExt cx="0" cy="0"/>
-        </a:xfrm>
-      </p:grpSpPr>
-      <p:sp>
-        <p:nvSpPr>
-          <p:cNvPr id="2" name="Title 1"/>
-          <p:cNvSpPr>
-            <a:spLocks noGrp="1"/>
-          </p:cNvSpPr>
-          <p:nvPr>
-            <p:ph type="title"/>
-          </p:nvPr>
-        </p:nvSpPr>
-        <p:spPr/>
-        <p:txBody>
-          <a:bodyPr/>
-          <a:lstStyle/>
-          <a:p>
-            <a:r>
-              <a:rPr lang="en-US" dirty="0"/>
-              <a:t>Control &amp; customer satisfaction</a:t>
-            </a:r>
-          </a:p>
-        </p:txBody>
-      </p:sp>
-      <p:sp>
-        <p:nvSpPr>
-          <p:cNvPr id="3" name="Content Placeholder 2"/>
-          <p:cNvSpPr>
-            <a:spLocks noGrp="1"/>
-          </p:cNvSpPr>
-          <p:nvPr>
-            <p:ph idx="1"/>
-          </p:nvPr>
-        </p:nvSpPr>
-        <p:spPr/>
-        <p:txBody>
-          <a:bodyPr/>
-          <a:lstStyle/>
-          <a:p>
-            <a:r>
-              <a:rPr lang="en-US" dirty="0"/>
-              <a:t>The customer is in full control of the order and ordering process </a:t>
-            </a:r>
-          </a:p>
-        </p:txBody>
-      </p:sp>
-      <p:pic>
-        <p:nvPicPr>
-          <p:cNvPr id="4" name="Content Placeholder 3" descr="_satisfaction.png"/>
-          <p:cNvPicPr>
-            <a:picLocks noChangeAspect="1"/>
-          </p:cNvPicPr>
-          <p:nvPr/>
-        </p:nvPicPr>
-        <p:blipFill>
-          <a:blip r:embed="rId2" cstate="email">
-            <a:extLst>
-              <a:ext uri="{28A0092B-C50C-407E-A947-70E740481C1C}">
-                <a14:useLocalDpi xmlns:a14="http://schemas.microsoft.com/office/drawing/2010/main" val="0"/>
-              </a:ext>
-            </a:extLst>
-          </a:blip>
-          <a:srcRect l="-55921" r="-55921"/>
-          <a:stretch>
-            <a:fillRect/>
-          </a:stretch>
-        </p:blipFill>
-        <p:spPr>
-          <a:xfrm>
-            <a:off x="5979294" y="365760"/>
-            <a:ext cx="3511085" cy="1671221"/>
-          </a:xfrm>
-          <a:prstGeom prst="rect">
-            <a:avLst/>
-          </a:prstGeom>
-        </p:spPr>
-      </p:pic>
-      <p:pic>
-        <p:nvPicPr>
-          <p:cNvPr id="5" name="Content Placeholder 3" descr="_control.jpg"/>
-          <p:cNvPicPr>
-            <a:picLocks noChangeAspect="1"/>
-          </p:cNvPicPr>
-          <p:nvPr/>
-        </p:nvPicPr>
-        <p:blipFill>
-          <a:blip r:embed="rId3" cstate="email">
-            <a:extLst>
-              <a:ext uri="{28A0092B-C50C-407E-A947-70E740481C1C}">
-                <a14:useLocalDpi xmlns:a14="http://schemas.microsoft.com/office/drawing/2010/main" val="0"/>
-              </a:ext>
-            </a:extLst>
-          </a:blip>
-          <a:srcRect l="-44366" r="-44366"/>
-          <a:stretch>
-            <a:fillRect/>
-          </a:stretch>
-        </p:blipFill>
-        <p:spPr>
-          <a:xfrm>
-            <a:off x="822960" y="2036981"/>
-            <a:ext cx="6714914" cy="2780993"/>
-          </a:xfrm>
-          <a:prstGeom prst="rect">
-            <a:avLst/>
-          </a:prstGeom>
-        </p:spPr>
-      </p:pic>
-    </p:spTree>
-    <p:extLst>
-      <p:ext uri="{BB962C8B-B14F-4D97-AF65-F5344CB8AC3E}">
-        <p14:creationId xmlns:p14="http://schemas.microsoft.com/office/powerpoint/2010/main" val="2215025743"/>
-      </p:ext>
-    </p:extLst>
-  </p:cSld>
-  <p:clrMapOvr>
-    <a:masterClrMapping/>
-  </p:clrMapOvr>
-</p:sld>
-</file>
-
-<file path=ppt/slides/slide7.xml><?xml version="1.0" encoding="utf-8"?>
-<p:sld xmlns:a="http://schemas.openxmlformats.org/drawingml/2006/main" xmlns:r="http://schemas.openxmlformats.org/officeDocument/2006/relationships" xmlns:p="http://schemas.openxmlformats.org/presentationml/2006/main">
-  <p:cSld>
-    <p:spTree>
-      <p:nvGrpSpPr>
-        <p:cNvPr id="1" name=""/>
-        <p:cNvGrpSpPr/>
-        <p:nvPr/>
-      </p:nvGrpSpPr>
-      <p:grpSpPr>
-        <a:xfrm>
-          <a:off x="0" y="0"/>
-          <a:ext cx="0" cy="0"/>
-          <a:chOff x="0" y="0"/>
-          <a:chExt cx="0" cy="0"/>
-        </a:xfrm>
-      </p:grpSpPr>
-      <p:sp>
-        <p:nvSpPr>
-          <p:cNvPr id="2" name="Title 1"/>
-          <p:cNvSpPr>
-            <a:spLocks noGrp="1"/>
-          </p:cNvSpPr>
-          <p:nvPr>
-            <p:ph type="title"/>
-          </p:nvPr>
-        </p:nvSpPr>
-        <p:spPr/>
-        <p:txBody>
-          <a:bodyPr/>
-          <a:lstStyle/>
-          <a:p>
-            <a:pPr algn="ctr"/>
-            <a:r>
-              <a:rPr lang="en-US" dirty="0"/>
-              <a:t>ALL RESTUANTS </a:t>
-            </a:r>
-            <a:r>
-              <a:rPr lang="en-US" dirty="0" err="1"/>
-              <a:t>oNE</a:t>
-            </a:r>
-            <a:r>
-              <a:rPr lang="en-US" dirty="0"/>
-              <a:t> APP</a:t>
-            </a:r>
-          </a:p>
-        </p:txBody>
-      </p:sp>
-      <p:pic>
-        <p:nvPicPr>
-          <p:cNvPr id="6" name="Content Placeholder 5"/>
-          <p:cNvPicPr>
-            <a:picLocks noGrp="1" noChangeAspect="1"/>
-          </p:cNvPicPr>
-          <p:nvPr>
-            <p:ph idx="1"/>
-          </p:nvPr>
-        </p:nvPicPr>
-        <p:blipFill>
-          <a:blip r:embed="rId2">
-            <a:extLst>
-              <a:ext uri="{28A0092B-C50C-407E-A947-70E740481C1C}">
-                <a14:useLocalDpi xmlns:a14="http://schemas.microsoft.com/office/drawing/2010/main" val="0"/>
-              </a:ext>
-            </a:extLst>
-          </a:blip>
-          <a:stretch>
-            <a:fillRect/>
-          </a:stretch>
-        </p:blipFill>
-        <p:spPr>
-          <a:xfrm>
-            <a:off x="346686" y="1454626"/>
-            <a:ext cx="5438402" cy="3004831"/>
-          </a:xfrm>
-        </p:spPr>
-      </p:pic>
-      <p:pic>
-        <p:nvPicPr>
-          <p:cNvPr id="4" name="Content Placeholder 3" descr="_waitress.jpg"/>
-          <p:cNvPicPr>
-            <a:picLocks noChangeAspect="1"/>
-          </p:cNvPicPr>
-          <p:nvPr/>
-        </p:nvPicPr>
-        <p:blipFill>
-          <a:blip r:embed="rId3" cstate="email">
-            <a:extLst>
-              <a:ext uri="{28A0092B-C50C-407E-A947-70E740481C1C}">
-                <a14:useLocalDpi xmlns:a14="http://schemas.microsoft.com/office/drawing/2010/main" val="0"/>
-              </a:ext>
-            </a:extLst>
-          </a:blip>
-          <a:srcRect l="-41292" r="-41292"/>
-          <a:stretch>
-            <a:fillRect/>
-          </a:stretch>
-        </p:blipFill>
-        <p:spPr>
-          <a:xfrm>
-            <a:off x="3539294" y="2384882"/>
-            <a:ext cx="5604706" cy="2667499"/>
-          </a:xfrm>
-          <a:prstGeom prst="rect">
-            <a:avLst/>
-          </a:prstGeom>
-        </p:spPr>
-      </p:pic>
-    </p:spTree>
-    <p:extLst>
-      <p:ext uri="{BB962C8B-B14F-4D97-AF65-F5344CB8AC3E}">
-        <p14:creationId xmlns:p14="http://schemas.microsoft.com/office/powerpoint/2010/main" val="1008026232"/>
-      </p:ext>
-    </p:extLst>
-  </p:cSld>
-  <p:clrMapOvr>
-    <a:masterClrMapping/>
-  </p:clrMapOvr>
-</p:sld>
-</file>
-
-<file path=ppt/slides/slide8.xml><?xml version="1.0" encoding="utf-8"?>
 <p:sld xmlns:a="http://schemas.openxmlformats.org/drawingml/2006/main" xmlns:r="http://schemas.openxmlformats.org/officeDocument/2006/relationships" xmlns:p="http://schemas.openxmlformats.org/presentationml/2006/main">
   <p:cSld>
     <p:spTree>
@@ -5840,6 +5425,648 @@
     <p:extLst>
       <p:ext uri="{BB962C8B-B14F-4D97-AF65-F5344CB8AC3E}">
         <p14:creationId xmlns:p14="http://schemas.microsoft.com/office/powerpoint/2010/main" val="1280718924"/>
+      </p:ext>
+    </p:extLst>
+  </p:cSld>
+  <p:clrMapOvr>
+    <a:masterClrMapping/>
+  </p:clrMapOvr>
+</p:sld>
+</file>
+
+<file path=ppt/slides/slide5.xml><?xml version="1.0" encoding="utf-8"?>
+<p:sld xmlns:a="http://schemas.openxmlformats.org/drawingml/2006/main" xmlns:r="http://schemas.openxmlformats.org/officeDocument/2006/relationships" xmlns:p="http://schemas.openxmlformats.org/presentationml/2006/main">
+  <p:cSld>
+    <p:spTree>
+      <p:nvGrpSpPr>
+        <p:cNvPr id="1" name=""/>
+        <p:cNvGrpSpPr/>
+        <p:nvPr/>
+      </p:nvGrpSpPr>
+      <p:grpSpPr>
+        <a:xfrm>
+          <a:off x="0" y="0"/>
+          <a:ext cx="0" cy="0"/>
+          <a:chOff x="0" y="0"/>
+          <a:chExt cx="0" cy="0"/>
+        </a:xfrm>
+      </p:grpSpPr>
+      <p:sp>
+        <p:nvSpPr>
+          <p:cNvPr id="2" name="Title 1"/>
+          <p:cNvSpPr>
+            <a:spLocks noGrp="1"/>
+          </p:cNvSpPr>
+          <p:nvPr>
+            <p:ph type="title"/>
+          </p:nvPr>
+        </p:nvSpPr>
+        <p:spPr/>
+        <p:txBody>
+          <a:bodyPr/>
+          <a:lstStyle/>
+          <a:p>
+            <a:pPr algn="ctr"/>
+            <a:r>
+              <a:rPr lang="en-US" dirty="0"/>
+              <a:t>ALL The restaurants one APP</a:t>
+            </a:r>
+          </a:p>
+        </p:txBody>
+      </p:sp>
+      <p:pic>
+        <p:nvPicPr>
+          <p:cNvPr id="6" name="Content Placeholder 5"/>
+          <p:cNvPicPr>
+            <a:picLocks noGrp="1" noChangeAspect="1"/>
+          </p:cNvPicPr>
+          <p:nvPr>
+            <p:ph idx="1"/>
+          </p:nvPr>
+        </p:nvPicPr>
+        <p:blipFill>
+          <a:blip r:embed="rId2">
+            <a:extLst>
+              <a:ext uri="{28A0092B-C50C-407E-A947-70E740481C1C}">
+                <a14:useLocalDpi xmlns:a14="http://schemas.microsoft.com/office/drawing/2010/main" val="0"/>
+              </a:ext>
+            </a:extLst>
+          </a:blip>
+          <a:stretch>
+            <a:fillRect/>
+          </a:stretch>
+        </p:blipFill>
+        <p:spPr>
+          <a:xfrm>
+            <a:off x="346686" y="1454626"/>
+            <a:ext cx="5438402" cy="3004831"/>
+          </a:xfrm>
+        </p:spPr>
+      </p:pic>
+      <p:pic>
+        <p:nvPicPr>
+          <p:cNvPr id="4" name="Content Placeholder 3" descr="_waitress.jpg"/>
+          <p:cNvPicPr>
+            <a:picLocks noChangeAspect="1"/>
+          </p:cNvPicPr>
+          <p:nvPr/>
+        </p:nvPicPr>
+        <p:blipFill>
+          <a:blip r:embed="rId3" cstate="email">
+            <a:extLst>
+              <a:ext uri="{28A0092B-C50C-407E-A947-70E740481C1C}">
+                <a14:useLocalDpi xmlns:a14="http://schemas.microsoft.com/office/drawing/2010/main" val="0"/>
+              </a:ext>
+            </a:extLst>
+          </a:blip>
+          <a:srcRect l="-41292" r="-41292"/>
+          <a:stretch>
+            <a:fillRect/>
+          </a:stretch>
+        </p:blipFill>
+        <p:spPr>
+          <a:xfrm>
+            <a:off x="3539294" y="2384882"/>
+            <a:ext cx="5604706" cy="2667499"/>
+          </a:xfrm>
+          <a:prstGeom prst="rect">
+            <a:avLst/>
+          </a:prstGeom>
+        </p:spPr>
+      </p:pic>
+    </p:spTree>
+    <p:extLst>
+      <p:ext uri="{BB962C8B-B14F-4D97-AF65-F5344CB8AC3E}">
+        <p14:creationId xmlns:p14="http://schemas.microsoft.com/office/powerpoint/2010/main" val="1008026232"/>
+      </p:ext>
+    </p:extLst>
+  </p:cSld>
+  <p:clrMapOvr>
+    <a:masterClrMapping/>
+  </p:clrMapOvr>
+</p:sld>
+</file>
+
+<file path=ppt/slides/slide6.xml><?xml version="1.0" encoding="utf-8"?>
+<p:sld xmlns:a="http://schemas.openxmlformats.org/drawingml/2006/main" xmlns:r="http://schemas.openxmlformats.org/officeDocument/2006/relationships" xmlns:p="http://schemas.openxmlformats.org/presentationml/2006/main">
+  <p:cSld>
+    <p:spTree>
+      <p:nvGrpSpPr>
+        <p:cNvPr id="1" name=""/>
+        <p:cNvGrpSpPr/>
+        <p:nvPr/>
+      </p:nvGrpSpPr>
+      <p:grpSpPr>
+        <a:xfrm>
+          <a:off x="0" y="0"/>
+          <a:ext cx="0" cy="0"/>
+          <a:chOff x="0" y="0"/>
+          <a:chExt cx="0" cy="0"/>
+        </a:xfrm>
+      </p:grpSpPr>
+      <p:sp>
+        <p:nvSpPr>
+          <p:cNvPr id="2" name="Title 1"/>
+          <p:cNvSpPr>
+            <a:spLocks noGrp="1"/>
+          </p:cNvSpPr>
+          <p:nvPr>
+            <p:ph type="title"/>
+          </p:nvPr>
+        </p:nvSpPr>
+        <p:spPr/>
+        <p:txBody>
+          <a:bodyPr/>
+          <a:lstStyle/>
+          <a:p>
+            <a:r>
+              <a:rPr lang="en-US" dirty="0"/>
+              <a:t>Why v-menu</a:t>
+            </a:r>
+          </a:p>
+        </p:txBody>
+      </p:sp>
+      <p:sp>
+        <p:nvSpPr>
+          <p:cNvPr id="3" name="Content Placeholder 2"/>
+          <p:cNvSpPr>
+            <a:spLocks noGrp="1"/>
+          </p:cNvSpPr>
+          <p:nvPr>
+            <p:ph idx="1"/>
+          </p:nvPr>
+        </p:nvSpPr>
+        <p:spPr/>
+        <p:txBody>
+          <a:bodyPr>
+            <a:normAutofit/>
+          </a:bodyPr>
+          <a:lstStyle/>
+          <a:p>
+            <a:pPr>
+              <a:buFont typeface="Arial"/>
+              <a:buChar char="•"/>
+            </a:pPr>
+            <a:r>
+              <a:rPr lang="en-US" sz="2400" dirty="0"/>
+              <a:t>Convenience </a:t>
+            </a:r>
+          </a:p>
+          <a:p>
+            <a:pPr>
+              <a:buFont typeface="Arial"/>
+              <a:buChar char="•"/>
+            </a:pPr>
+            <a:r>
+              <a:rPr lang="en-US" sz="2400" dirty="0"/>
+              <a:t>Speed</a:t>
+            </a:r>
+          </a:p>
+          <a:p>
+            <a:pPr>
+              <a:buFont typeface="Arial"/>
+              <a:buChar char="•"/>
+            </a:pPr>
+            <a:r>
+              <a:rPr lang="en-US" sz="2400" dirty="0"/>
+              <a:t>Control</a:t>
+            </a:r>
+          </a:p>
+          <a:p>
+            <a:pPr>
+              <a:buFont typeface="Arial"/>
+              <a:buChar char="•"/>
+            </a:pPr>
+            <a:r>
+              <a:rPr lang="en-US" sz="2400" dirty="0"/>
+              <a:t>Customer Satisfaction</a:t>
+            </a:r>
+          </a:p>
+          <a:p>
+            <a:pPr>
+              <a:buFont typeface="Arial"/>
+              <a:buChar char="•"/>
+            </a:pPr>
+            <a:r>
+              <a:rPr lang="en-US" sz="2400" dirty="0"/>
+              <a:t>Efficient</a:t>
+            </a:r>
+          </a:p>
+          <a:p>
+            <a:pPr>
+              <a:buFont typeface="Arial"/>
+              <a:buChar char="•"/>
+            </a:pPr>
+            <a:r>
+              <a:rPr lang="en-US" sz="2400" dirty="0"/>
+              <a:t>Modern </a:t>
+            </a:r>
+          </a:p>
+          <a:p>
+            <a:pPr>
+              <a:buFont typeface="Arial"/>
+              <a:buChar char="•"/>
+            </a:pPr>
+            <a:r>
+              <a:rPr lang="en-US" sz="2400" dirty="0"/>
+              <a:t>Privacy </a:t>
+            </a:r>
+          </a:p>
+        </p:txBody>
+      </p:sp>
+      <p:pic>
+        <p:nvPicPr>
+          <p:cNvPr id="5" name="Content Placeholder 3" descr="waiter-tray_full.jpeg"/>
+          <p:cNvPicPr>
+            <a:picLocks noChangeAspect="1"/>
+          </p:cNvPicPr>
+          <p:nvPr/>
+        </p:nvPicPr>
+        <p:blipFill>
+          <a:blip r:embed="rId2" cstate="email">
+            <a:extLst>
+              <a:ext uri="{28A0092B-C50C-407E-A947-70E740481C1C}">
+                <a14:useLocalDpi xmlns:a14="http://schemas.microsoft.com/office/drawing/2010/main" val="0"/>
+              </a:ext>
+            </a:extLst>
+          </a:blip>
+          <a:srcRect l="-20072" r="-20072"/>
+          <a:stretch>
+            <a:fillRect/>
+          </a:stretch>
+        </p:blipFill>
+        <p:spPr>
+          <a:xfrm>
+            <a:off x="3353047" y="1100628"/>
+            <a:ext cx="6491830" cy="3897995"/>
+          </a:xfrm>
+          <a:prstGeom prst="rect">
+            <a:avLst/>
+          </a:prstGeom>
+        </p:spPr>
+      </p:pic>
+    </p:spTree>
+    <p:extLst>
+      <p:ext uri="{BB962C8B-B14F-4D97-AF65-F5344CB8AC3E}">
+        <p14:creationId xmlns:p14="http://schemas.microsoft.com/office/powerpoint/2010/main" val="1667595165"/>
+      </p:ext>
+    </p:extLst>
+  </p:cSld>
+  <p:clrMapOvr>
+    <a:masterClrMapping/>
+  </p:clrMapOvr>
+</p:sld>
+</file>
+
+<file path=ppt/slides/slide7.xml><?xml version="1.0" encoding="utf-8"?>
+<p:sld xmlns:a="http://schemas.openxmlformats.org/drawingml/2006/main" xmlns:r="http://schemas.openxmlformats.org/officeDocument/2006/relationships" xmlns:p="http://schemas.openxmlformats.org/presentationml/2006/main">
+  <p:cSld>
+    <p:spTree>
+      <p:nvGrpSpPr>
+        <p:cNvPr id="1" name=""/>
+        <p:cNvGrpSpPr/>
+        <p:nvPr/>
+      </p:nvGrpSpPr>
+      <p:grpSpPr>
+        <a:xfrm>
+          <a:off x="0" y="0"/>
+          <a:ext cx="0" cy="0"/>
+          <a:chOff x="0" y="0"/>
+          <a:chExt cx="0" cy="0"/>
+        </a:xfrm>
+      </p:grpSpPr>
+      <p:sp>
+        <p:nvSpPr>
+          <p:cNvPr id="2" name="Title 1"/>
+          <p:cNvSpPr>
+            <a:spLocks noGrp="1"/>
+          </p:cNvSpPr>
+          <p:nvPr>
+            <p:ph type="title"/>
+          </p:nvPr>
+        </p:nvSpPr>
+        <p:spPr/>
+        <p:txBody>
+          <a:bodyPr/>
+          <a:lstStyle/>
+          <a:p>
+            <a:endParaRPr lang="en-US" dirty="0"/>
+          </a:p>
+        </p:txBody>
+      </p:sp>
+      <p:pic>
+        <p:nvPicPr>
+          <p:cNvPr id="7" name="Content Placeholder 6"/>
+          <p:cNvPicPr>
+            <a:picLocks noGrp="1" noChangeAspect="1"/>
+          </p:cNvPicPr>
+          <p:nvPr>
+            <p:ph idx="1"/>
+          </p:nvPr>
+        </p:nvPicPr>
+        <p:blipFill>
+          <a:blip r:embed="rId2" cstate="email">
+            <a:extLst>
+              <a:ext uri="{28A0092B-C50C-407E-A947-70E740481C1C}">
+                <a14:useLocalDpi xmlns:a14="http://schemas.microsoft.com/office/drawing/2010/main" val="0"/>
+              </a:ext>
+            </a:extLst>
+          </a:blip>
+          <a:stretch>
+            <a:fillRect/>
+          </a:stretch>
+        </p:blipFill>
+        <p:spPr>
+          <a:xfrm>
+            <a:off x="2254928" y="182453"/>
+            <a:ext cx="3867275" cy="4497498"/>
+          </a:xfrm>
+        </p:spPr>
+      </p:pic>
+    </p:spTree>
+    <p:extLst>
+      <p:ext uri="{BB962C8B-B14F-4D97-AF65-F5344CB8AC3E}">
+        <p14:creationId xmlns:p14="http://schemas.microsoft.com/office/powerpoint/2010/main" val="3188030832"/>
+      </p:ext>
+    </p:extLst>
+  </p:cSld>
+  <p:clrMapOvr>
+    <a:masterClrMapping/>
+  </p:clrMapOvr>
+</p:sld>
+</file>
+
+<file path=ppt/slides/slide8.xml><?xml version="1.0" encoding="utf-8"?>
+<p:sld xmlns:a="http://schemas.openxmlformats.org/drawingml/2006/main" xmlns:r="http://schemas.openxmlformats.org/officeDocument/2006/relationships" xmlns:p="http://schemas.openxmlformats.org/presentationml/2006/main">
+  <p:cSld>
+    <p:spTree>
+      <p:nvGrpSpPr>
+        <p:cNvPr id="1" name=""/>
+        <p:cNvGrpSpPr/>
+        <p:nvPr/>
+      </p:nvGrpSpPr>
+      <p:grpSpPr>
+        <a:xfrm>
+          <a:off x="0" y="0"/>
+          <a:ext cx="0" cy="0"/>
+          <a:chOff x="0" y="0"/>
+          <a:chExt cx="0" cy="0"/>
+        </a:xfrm>
+      </p:grpSpPr>
+      <p:sp>
+        <p:nvSpPr>
+          <p:cNvPr id="2" name="Title 1"/>
+          <p:cNvSpPr>
+            <a:spLocks noGrp="1"/>
+          </p:cNvSpPr>
+          <p:nvPr>
+            <p:ph type="title"/>
+          </p:nvPr>
+        </p:nvSpPr>
+        <p:spPr/>
+        <p:txBody>
+          <a:bodyPr/>
+          <a:lstStyle/>
+          <a:p>
+            <a:r>
+              <a:rPr lang="en-US" dirty="0"/>
+              <a:t>Convenience &amp; Speed</a:t>
+            </a:r>
+          </a:p>
+        </p:txBody>
+      </p:sp>
+      <p:sp>
+        <p:nvSpPr>
+          <p:cNvPr id="3" name="Content Placeholder 2"/>
+          <p:cNvSpPr>
+            <a:spLocks noGrp="1"/>
+          </p:cNvSpPr>
+          <p:nvPr>
+            <p:ph idx="1"/>
+          </p:nvPr>
+        </p:nvSpPr>
+        <p:spPr/>
+        <p:txBody>
+          <a:bodyPr>
+            <a:normAutofit/>
+          </a:bodyPr>
+          <a:lstStyle/>
+          <a:p>
+            <a:r>
+              <a:rPr lang="en-US" sz="2000" dirty="0"/>
+              <a:t>Your order history is available to you and you can simply </a:t>
+            </a:r>
+          </a:p>
+          <a:p>
+            <a:r>
+              <a:rPr lang="en-US" sz="2000" dirty="0"/>
+              <a:t>	reorder your favorite item in a couple of clicks !!</a:t>
+            </a:r>
+          </a:p>
+          <a:p>
+            <a:endParaRPr lang="en-US" sz="2000" dirty="0"/>
+          </a:p>
+          <a:p>
+            <a:r>
+              <a:rPr lang="en-US" sz="2000" dirty="0"/>
+              <a:t>Fast and easy </a:t>
+            </a:r>
+          </a:p>
+          <a:p>
+            <a:r>
+              <a:rPr lang="en-US" sz="2000" dirty="0"/>
+              <a:t>for</a:t>
+            </a:r>
+          </a:p>
+          <a:p>
+            <a:r>
+              <a:rPr lang="en-US" sz="2000" dirty="0"/>
+              <a:t>Customers</a:t>
+            </a:r>
+          </a:p>
+          <a:p>
+            <a:r>
+              <a:rPr lang="en-US" sz="2000" dirty="0"/>
+              <a:t>And</a:t>
+            </a:r>
+          </a:p>
+          <a:p>
+            <a:r>
+              <a:rPr lang="en-US" sz="2000" dirty="0"/>
+              <a:t>Staff</a:t>
+            </a:r>
+          </a:p>
+        </p:txBody>
+      </p:sp>
+      <p:pic>
+        <p:nvPicPr>
+          <p:cNvPr id="5" name="Picture 4"/>
+          <p:cNvPicPr>
+            <a:picLocks noChangeAspect="1"/>
+          </p:cNvPicPr>
+          <p:nvPr/>
+        </p:nvPicPr>
+        <p:blipFill>
+          <a:blip r:embed="rId2" cstate="email">
+            <a:extLst>
+              <a:ext uri="{28A0092B-C50C-407E-A947-70E740481C1C}">
+                <a14:useLocalDpi xmlns:a14="http://schemas.microsoft.com/office/drawing/2010/main" val="0"/>
+              </a:ext>
+            </a:extLst>
+          </a:blip>
+          <a:stretch>
+            <a:fillRect/>
+          </a:stretch>
+        </p:blipFill>
+        <p:spPr>
+          <a:xfrm>
+            <a:off x="3551068" y="2198889"/>
+            <a:ext cx="4296792" cy="2416945"/>
+          </a:xfrm>
+          <a:prstGeom prst="rect">
+            <a:avLst/>
+          </a:prstGeom>
+        </p:spPr>
+      </p:pic>
+    </p:spTree>
+    <p:extLst>
+      <p:ext uri="{BB962C8B-B14F-4D97-AF65-F5344CB8AC3E}">
+        <p14:creationId xmlns:p14="http://schemas.microsoft.com/office/powerpoint/2010/main" val="2612279065"/>
+      </p:ext>
+    </p:extLst>
+  </p:cSld>
+  <p:clrMapOvr>
+    <a:masterClrMapping/>
+  </p:clrMapOvr>
+</p:sld>
+</file>
+
+<file path=ppt/slides/slide9.xml><?xml version="1.0" encoding="utf-8"?>
+<p:sld xmlns:a="http://schemas.openxmlformats.org/drawingml/2006/main" xmlns:r="http://schemas.openxmlformats.org/officeDocument/2006/relationships" xmlns:p="http://schemas.openxmlformats.org/presentationml/2006/main">
+  <p:cSld>
+    <p:spTree>
+      <p:nvGrpSpPr>
+        <p:cNvPr id="1" name=""/>
+        <p:cNvGrpSpPr/>
+        <p:nvPr/>
+      </p:nvGrpSpPr>
+      <p:grpSpPr>
+        <a:xfrm>
+          <a:off x="0" y="0"/>
+          <a:ext cx="0" cy="0"/>
+          <a:chOff x="0" y="0"/>
+          <a:chExt cx="0" cy="0"/>
+        </a:xfrm>
+      </p:grpSpPr>
+      <p:sp>
+        <p:nvSpPr>
+          <p:cNvPr id="2" name="Title 1"/>
+          <p:cNvSpPr>
+            <a:spLocks noGrp="1"/>
+          </p:cNvSpPr>
+          <p:nvPr>
+            <p:ph type="title"/>
+          </p:nvPr>
+        </p:nvSpPr>
+        <p:spPr/>
+        <p:txBody>
+          <a:bodyPr/>
+          <a:lstStyle/>
+          <a:p>
+            <a:r>
+              <a:rPr lang="en-US" dirty="0"/>
+              <a:t>Control &amp; customer satisfaction</a:t>
+            </a:r>
+          </a:p>
+        </p:txBody>
+      </p:sp>
+      <p:sp>
+        <p:nvSpPr>
+          <p:cNvPr id="3" name="Content Placeholder 2"/>
+          <p:cNvSpPr>
+            <a:spLocks noGrp="1"/>
+          </p:cNvSpPr>
+          <p:nvPr>
+            <p:ph idx="1"/>
+          </p:nvPr>
+        </p:nvSpPr>
+        <p:spPr/>
+        <p:txBody>
+          <a:bodyPr/>
+          <a:lstStyle/>
+          <a:p>
+            <a:r>
+              <a:rPr lang="en-US" dirty="0"/>
+              <a:t>The customer is in full control of the order and ordering process </a:t>
+            </a:r>
+          </a:p>
+        </p:txBody>
+      </p:sp>
+      <p:pic>
+        <p:nvPicPr>
+          <p:cNvPr id="4" name="Content Placeholder 3" descr="_satisfaction.png"/>
+          <p:cNvPicPr>
+            <a:picLocks noChangeAspect="1"/>
+          </p:cNvPicPr>
+          <p:nvPr/>
+        </p:nvPicPr>
+        <p:blipFill>
+          <a:blip r:embed="rId2" cstate="email">
+            <a:extLst>
+              <a:ext uri="{28A0092B-C50C-407E-A947-70E740481C1C}">
+                <a14:useLocalDpi xmlns:a14="http://schemas.microsoft.com/office/drawing/2010/main" val="0"/>
+              </a:ext>
+            </a:extLst>
+          </a:blip>
+          <a:srcRect l="-55921" r="-55921"/>
+          <a:stretch>
+            <a:fillRect/>
+          </a:stretch>
+        </p:blipFill>
+        <p:spPr>
+          <a:xfrm>
+            <a:off x="5979294" y="365760"/>
+            <a:ext cx="3511085" cy="1671221"/>
+          </a:xfrm>
+          <a:prstGeom prst="rect">
+            <a:avLst/>
+          </a:prstGeom>
+        </p:spPr>
+      </p:pic>
+      <p:pic>
+        <p:nvPicPr>
+          <p:cNvPr id="6" name="Picture 5"/>
+          <p:cNvPicPr>
+            <a:picLocks noChangeAspect="1"/>
+          </p:cNvPicPr>
+          <p:nvPr/>
+        </p:nvPicPr>
+        <p:blipFill>
+          <a:blip r:embed="rId3">
+            <a:extLst>
+              <a:ext uri="{28A0092B-C50C-407E-A947-70E740481C1C}">
+                <a14:useLocalDpi xmlns:a14="http://schemas.microsoft.com/office/drawing/2010/main" val="0"/>
+              </a:ext>
+            </a:extLst>
+          </a:blip>
+          <a:stretch>
+            <a:fillRect/>
+          </a:stretch>
+        </p:blipFill>
+        <p:spPr>
+          <a:xfrm>
+            <a:off x="2503661" y="1967076"/>
+            <a:ext cx="4159537" cy="4710991"/>
+          </a:xfrm>
+          <a:prstGeom prst="rect">
+            <a:avLst/>
+          </a:prstGeom>
+        </p:spPr>
+      </p:pic>
+    </p:spTree>
+    <p:extLst>
+      <p:ext uri="{BB962C8B-B14F-4D97-AF65-F5344CB8AC3E}">
+        <p14:creationId xmlns:p14="http://schemas.microsoft.com/office/powerpoint/2010/main" val="1678601394"/>
       </p:ext>
     </p:extLst>
   </p:cSld>

--- a/Design Documents/PresentationSoftEng.pptx
+++ b/Design Documents/PresentationSoftEng.pptx
@@ -7,15 +7,20 @@
   <p:sldIdLst>
     <p:sldId id="256" r:id="rId2"/>
     <p:sldId id="257" r:id="rId3"/>
-    <p:sldId id="262" r:id="rId4"/>
-    <p:sldId id="261" r:id="rId5"/>
-    <p:sldId id="263" r:id="rId6"/>
-    <p:sldId id="258" r:id="rId7"/>
-    <p:sldId id="264" r:id="rId8"/>
-    <p:sldId id="259" r:id="rId9"/>
-    <p:sldId id="266" r:id="rId10"/>
-    <p:sldId id="265" r:id="rId11"/>
-    <p:sldId id="267" r:id="rId12"/>
+    <p:sldId id="258" r:id="rId4"/>
+    <p:sldId id="262" r:id="rId5"/>
+    <p:sldId id="261" r:id="rId6"/>
+    <p:sldId id="263" r:id="rId7"/>
+    <p:sldId id="271" r:id="rId8"/>
+    <p:sldId id="264" r:id="rId9"/>
+    <p:sldId id="270" r:id="rId10"/>
+    <p:sldId id="259" r:id="rId11"/>
+    <p:sldId id="266" r:id="rId12"/>
+    <p:sldId id="265" r:id="rId13"/>
+    <p:sldId id="268" r:id="rId14"/>
+    <p:sldId id="272" r:id="rId15"/>
+    <p:sldId id="269" r:id="rId16"/>
+    <p:sldId id="267" r:id="rId17"/>
   </p:sldIdLst>
   <p:sldSz cx="9144000" cy="6858000" type="screen4x3"/>
   <p:notesSz cx="6858000" cy="9144000"/>
@@ -4899,6 +4904,286 @@
           <a:chExt cx="0" cy="0"/>
         </a:xfrm>
       </p:grpSpPr>
+      <p:sp>
+        <p:nvSpPr>
+          <p:cNvPr id="2" name="Title 1"/>
+          <p:cNvSpPr>
+            <a:spLocks noGrp="1"/>
+          </p:cNvSpPr>
+          <p:nvPr>
+            <p:ph type="title"/>
+          </p:nvPr>
+        </p:nvSpPr>
+        <p:spPr/>
+        <p:txBody>
+          <a:bodyPr/>
+          <a:lstStyle/>
+          <a:p>
+            <a:r>
+              <a:rPr lang="en-US" dirty="0"/>
+              <a:t>Convenience &amp; Speed</a:t>
+            </a:r>
+          </a:p>
+        </p:txBody>
+      </p:sp>
+      <p:sp>
+        <p:nvSpPr>
+          <p:cNvPr id="3" name="Content Placeholder 2"/>
+          <p:cNvSpPr>
+            <a:spLocks noGrp="1"/>
+          </p:cNvSpPr>
+          <p:nvPr>
+            <p:ph idx="1"/>
+          </p:nvPr>
+        </p:nvSpPr>
+        <p:spPr/>
+        <p:txBody>
+          <a:bodyPr>
+            <a:normAutofit/>
+          </a:bodyPr>
+          <a:lstStyle/>
+          <a:p>
+            <a:r>
+              <a:rPr lang="en-US" sz="2000" dirty="0"/>
+              <a:t>Your order history is available to you and you can simply </a:t>
+            </a:r>
+          </a:p>
+          <a:p>
+            <a:r>
+              <a:rPr lang="en-US" sz="2000" dirty="0"/>
+              <a:t>	reorder your favorite item in a couple of clicks !!</a:t>
+            </a:r>
+          </a:p>
+          <a:p>
+            <a:endParaRPr lang="en-US" sz="2000" dirty="0"/>
+          </a:p>
+          <a:p>
+            <a:r>
+              <a:rPr lang="en-US" sz="2000" dirty="0"/>
+              <a:t>Fast and easy </a:t>
+            </a:r>
+          </a:p>
+          <a:p>
+            <a:r>
+              <a:rPr lang="en-US" sz="2000" dirty="0"/>
+              <a:t>for</a:t>
+            </a:r>
+          </a:p>
+          <a:p>
+            <a:r>
+              <a:rPr lang="en-US" sz="2000" dirty="0"/>
+              <a:t>Customers</a:t>
+            </a:r>
+          </a:p>
+          <a:p>
+            <a:r>
+              <a:rPr lang="en-US" sz="2000" dirty="0"/>
+              <a:t>And</a:t>
+            </a:r>
+          </a:p>
+          <a:p>
+            <a:r>
+              <a:rPr lang="en-US" sz="2000" dirty="0"/>
+              <a:t>Staff</a:t>
+            </a:r>
+          </a:p>
+        </p:txBody>
+      </p:sp>
+      <p:pic>
+        <p:nvPicPr>
+          <p:cNvPr id="5" name="Picture 4"/>
+          <p:cNvPicPr>
+            <a:picLocks noChangeAspect="1"/>
+          </p:cNvPicPr>
+          <p:nvPr/>
+        </p:nvPicPr>
+        <p:blipFill>
+          <a:blip r:embed="rId2" cstate="email">
+            <a:extLst>
+              <a:ext uri="{28A0092B-C50C-407E-A947-70E740481C1C}">
+                <a14:useLocalDpi xmlns:a14="http://schemas.microsoft.com/office/drawing/2010/main" val="0"/>
+              </a:ext>
+            </a:extLst>
+          </a:blip>
+          <a:stretch>
+            <a:fillRect/>
+          </a:stretch>
+        </p:blipFill>
+        <p:spPr>
+          <a:xfrm>
+            <a:off x="3551068" y="2198889"/>
+            <a:ext cx="4296792" cy="2416945"/>
+          </a:xfrm>
+          <a:prstGeom prst="rect">
+            <a:avLst/>
+          </a:prstGeom>
+        </p:spPr>
+      </p:pic>
+    </p:spTree>
+    <p:extLst>
+      <p:ext uri="{BB962C8B-B14F-4D97-AF65-F5344CB8AC3E}">
+        <p14:creationId xmlns:p14="http://schemas.microsoft.com/office/powerpoint/2010/main" val="2612279065"/>
+      </p:ext>
+    </p:extLst>
+  </p:cSld>
+  <p:clrMapOvr>
+    <a:masterClrMapping/>
+  </p:clrMapOvr>
+</p:sld>
+</file>
+
+<file path=ppt/slides/slide11.xml><?xml version="1.0" encoding="utf-8"?>
+<p:sld xmlns:a="http://schemas.openxmlformats.org/drawingml/2006/main" xmlns:r="http://schemas.openxmlformats.org/officeDocument/2006/relationships" xmlns:p="http://schemas.openxmlformats.org/presentationml/2006/main">
+  <p:cSld>
+    <p:spTree>
+      <p:nvGrpSpPr>
+        <p:cNvPr id="1" name=""/>
+        <p:cNvGrpSpPr/>
+        <p:nvPr/>
+      </p:nvGrpSpPr>
+      <p:grpSpPr>
+        <a:xfrm>
+          <a:off x="0" y="0"/>
+          <a:ext cx="0" cy="0"/>
+          <a:chOff x="0" y="0"/>
+          <a:chExt cx="0" cy="0"/>
+        </a:xfrm>
+      </p:grpSpPr>
+      <p:sp>
+        <p:nvSpPr>
+          <p:cNvPr id="2" name="Title 1"/>
+          <p:cNvSpPr>
+            <a:spLocks noGrp="1"/>
+          </p:cNvSpPr>
+          <p:nvPr>
+            <p:ph type="title"/>
+          </p:nvPr>
+        </p:nvSpPr>
+        <p:spPr/>
+        <p:txBody>
+          <a:bodyPr/>
+          <a:lstStyle/>
+          <a:p>
+            <a:r>
+              <a:rPr lang="en-US" dirty="0"/>
+              <a:t>Control &amp; customer satisfaction</a:t>
+            </a:r>
+          </a:p>
+        </p:txBody>
+      </p:sp>
+      <p:sp>
+        <p:nvSpPr>
+          <p:cNvPr id="3" name="Content Placeholder 2"/>
+          <p:cNvSpPr>
+            <a:spLocks noGrp="1"/>
+          </p:cNvSpPr>
+          <p:nvPr>
+            <p:ph idx="1"/>
+          </p:nvPr>
+        </p:nvSpPr>
+        <p:spPr/>
+        <p:txBody>
+          <a:bodyPr/>
+          <a:lstStyle/>
+          <a:p>
+            <a:r>
+              <a:rPr lang="en-US" dirty="0"/>
+              <a:t>The customer is in full control of the order and ordering process </a:t>
+            </a:r>
+          </a:p>
+        </p:txBody>
+      </p:sp>
+      <p:pic>
+        <p:nvPicPr>
+          <p:cNvPr id="4" name="Content Placeholder 3" descr="_satisfaction.png"/>
+          <p:cNvPicPr>
+            <a:picLocks noChangeAspect="1"/>
+          </p:cNvPicPr>
+          <p:nvPr/>
+        </p:nvPicPr>
+        <p:blipFill>
+          <a:blip r:embed="rId2" cstate="email">
+            <a:extLst>
+              <a:ext uri="{28A0092B-C50C-407E-A947-70E740481C1C}">
+                <a14:useLocalDpi xmlns:a14="http://schemas.microsoft.com/office/drawing/2010/main" val="0"/>
+              </a:ext>
+            </a:extLst>
+          </a:blip>
+          <a:srcRect l="-55921" r="-55921"/>
+          <a:stretch>
+            <a:fillRect/>
+          </a:stretch>
+        </p:blipFill>
+        <p:spPr>
+          <a:xfrm>
+            <a:off x="5979294" y="365760"/>
+            <a:ext cx="3511085" cy="1671221"/>
+          </a:xfrm>
+          <a:prstGeom prst="rect">
+            <a:avLst/>
+          </a:prstGeom>
+        </p:spPr>
+      </p:pic>
+      <p:pic>
+        <p:nvPicPr>
+          <p:cNvPr id="6" name="Picture 5"/>
+          <p:cNvPicPr>
+            <a:picLocks noChangeAspect="1"/>
+          </p:cNvPicPr>
+          <p:nvPr/>
+        </p:nvPicPr>
+        <p:blipFill>
+          <a:blip r:embed="rId3">
+            <a:extLst>
+              <a:ext uri="{28A0092B-C50C-407E-A947-70E740481C1C}">
+                <a14:useLocalDpi xmlns:a14="http://schemas.microsoft.com/office/drawing/2010/main" val="0"/>
+              </a:ext>
+            </a:extLst>
+          </a:blip>
+          <a:stretch>
+            <a:fillRect/>
+          </a:stretch>
+        </p:blipFill>
+        <p:spPr>
+          <a:xfrm>
+            <a:off x="2503661" y="1967076"/>
+            <a:ext cx="4159537" cy="4710991"/>
+          </a:xfrm>
+          <a:prstGeom prst="rect">
+            <a:avLst/>
+          </a:prstGeom>
+        </p:spPr>
+      </p:pic>
+    </p:spTree>
+    <p:extLst>
+      <p:ext uri="{BB962C8B-B14F-4D97-AF65-F5344CB8AC3E}">
+        <p14:creationId xmlns:p14="http://schemas.microsoft.com/office/powerpoint/2010/main" val="1678601394"/>
+      </p:ext>
+    </p:extLst>
+  </p:cSld>
+  <p:clrMapOvr>
+    <a:masterClrMapping/>
+  </p:clrMapOvr>
+</p:sld>
+</file>
+
+<file path=ppt/slides/slide12.xml><?xml version="1.0" encoding="utf-8"?>
+<p:sld xmlns:a="http://schemas.openxmlformats.org/drawingml/2006/main" xmlns:r="http://schemas.openxmlformats.org/officeDocument/2006/relationships" xmlns:p="http://schemas.openxmlformats.org/presentationml/2006/main">
+  <p:cSld>
+    <p:spTree>
+      <p:nvGrpSpPr>
+        <p:cNvPr id="1" name=""/>
+        <p:cNvGrpSpPr/>
+        <p:nvPr/>
+      </p:nvGrpSpPr>
+      <p:grpSpPr>
+        <a:xfrm>
+          <a:off x="0" y="0"/>
+          <a:ext cx="0" cy="0"/>
+          <a:chOff x="0" y="0"/>
+          <a:chExt cx="0" cy="0"/>
+        </a:xfrm>
+      </p:grpSpPr>
       <p:pic>
         <p:nvPicPr>
           <p:cNvPr id="7" name="Content Placeholder 6"/>
@@ -4960,7 +5245,310 @@
 </p:sld>
 </file>
 
-<file path=ppt/slides/slide11.xml><?xml version="1.0" encoding="utf-8"?>
+<file path=ppt/slides/slide13.xml><?xml version="1.0" encoding="utf-8"?>
+<p:sld xmlns:a="http://schemas.openxmlformats.org/drawingml/2006/main" xmlns:r="http://schemas.openxmlformats.org/officeDocument/2006/relationships" xmlns:p="http://schemas.openxmlformats.org/presentationml/2006/main">
+  <p:cSld>
+    <p:spTree>
+      <p:nvGrpSpPr>
+        <p:cNvPr id="1" name=""/>
+        <p:cNvGrpSpPr/>
+        <p:nvPr/>
+      </p:nvGrpSpPr>
+      <p:grpSpPr>
+        <a:xfrm>
+          <a:off x="0" y="0"/>
+          <a:ext cx="0" cy="0"/>
+          <a:chOff x="0" y="0"/>
+          <a:chExt cx="0" cy="0"/>
+        </a:xfrm>
+      </p:grpSpPr>
+      <p:sp>
+        <p:nvSpPr>
+          <p:cNvPr id="2" name="Title 1"/>
+          <p:cNvSpPr>
+            <a:spLocks noGrp="1"/>
+          </p:cNvSpPr>
+          <p:nvPr>
+            <p:ph type="title"/>
+          </p:nvPr>
+        </p:nvSpPr>
+        <p:spPr/>
+        <p:txBody>
+          <a:bodyPr/>
+          <a:lstStyle/>
+          <a:p>
+            <a:pPr algn="ctr"/>
+            <a:r>
+              <a:rPr lang="en-US" dirty="0"/>
+              <a:t>Efficient &amp; modern</a:t>
+            </a:r>
+          </a:p>
+        </p:txBody>
+      </p:sp>
+      <p:pic>
+        <p:nvPicPr>
+          <p:cNvPr id="4" name="Picture 3"/>
+          <p:cNvPicPr>
+            <a:picLocks noChangeAspect="1"/>
+          </p:cNvPicPr>
+          <p:nvPr/>
+        </p:nvPicPr>
+        <p:blipFill>
+          <a:blip r:embed="rId2" cstate="email">
+            <a:extLst>
+              <a:ext uri="{28A0092B-C50C-407E-A947-70E740481C1C}">
+                <a14:useLocalDpi xmlns:a14="http://schemas.microsoft.com/office/drawing/2010/main" val="0"/>
+              </a:ext>
+            </a:extLst>
+          </a:blip>
+          <a:stretch>
+            <a:fillRect/>
+          </a:stretch>
+        </p:blipFill>
+        <p:spPr>
+          <a:xfrm>
+            <a:off x="1068252" y="1448972"/>
+            <a:ext cx="3292381" cy="2191043"/>
+          </a:xfrm>
+          <a:prstGeom prst="rect">
+            <a:avLst/>
+          </a:prstGeom>
+        </p:spPr>
+      </p:pic>
+      <p:pic>
+        <p:nvPicPr>
+          <p:cNvPr id="5" name="Picture 4"/>
+          <p:cNvPicPr>
+            <a:picLocks noChangeAspect="1"/>
+          </p:cNvPicPr>
+          <p:nvPr/>
+        </p:nvPicPr>
+        <p:blipFill>
+          <a:blip r:embed="rId3" cstate="email">
+            <a:extLst>
+              <a:ext uri="{28A0092B-C50C-407E-A947-70E740481C1C}">
+                <a14:useLocalDpi xmlns:a14="http://schemas.microsoft.com/office/drawing/2010/main" val="0"/>
+              </a:ext>
+            </a:extLst>
+          </a:blip>
+          <a:stretch>
+            <a:fillRect/>
+          </a:stretch>
+        </p:blipFill>
+        <p:spPr>
+          <a:xfrm>
+            <a:off x="4790693" y="1448972"/>
+            <a:ext cx="3343422" cy="2089639"/>
+          </a:xfrm>
+          <a:prstGeom prst="rect">
+            <a:avLst/>
+          </a:prstGeom>
+        </p:spPr>
+      </p:pic>
+    </p:spTree>
+    <p:extLst>
+      <p:ext uri="{BB962C8B-B14F-4D97-AF65-F5344CB8AC3E}">
+        <p14:creationId xmlns:p14="http://schemas.microsoft.com/office/powerpoint/2010/main" val="419929203"/>
+      </p:ext>
+    </p:extLst>
+  </p:cSld>
+  <p:clrMapOvr>
+    <a:masterClrMapping/>
+  </p:clrMapOvr>
+</p:sld>
+</file>
+
+<file path=ppt/slides/slide14.xml><?xml version="1.0" encoding="utf-8"?>
+<p:sld xmlns:a="http://schemas.openxmlformats.org/drawingml/2006/main" xmlns:r="http://schemas.openxmlformats.org/officeDocument/2006/relationships" xmlns:p="http://schemas.openxmlformats.org/presentationml/2006/main">
+  <p:cSld>
+    <p:spTree>
+      <p:nvGrpSpPr>
+        <p:cNvPr id="1" name=""/>
+        <p:cNvGrpSpPr/>
+        <p:nvPr/>
+      </p:nvGrpSpPr>
+      <p:grpSpPr>
+        <a:xfrm>
+          <a:off x="0" y="0"/>
+          <a:ext cx="0" cy="0"/>
+          <a:chOff x="0" y="0"/>
+          <a:chExt cx="0" cy="0"/>
+        </a:xfrm>
+      </p:grpSpPr>
+      <p:sp>
+        <p:nvSpPr>
+          <p:cNvPr id="2" name="Title 1"/>
+          <p:cNvSpPr>
+            <a:spLocks noGrp="1"/>
+          </p:cNvSpPr>
+          <p:nvPr>
+            <p:ph type="title"/>
+          </p:nvPr>
+        </p:nvSpPr>
+        <p:spPr/>
+        <p:txBody>
+          <a:bodyPr/>
+          <a:lstStyle/>
+          <a:p>
+            <a:endParaRPr lang="en-US"/>
+          </a:p>
+        </p:txBody>
+      </p:sp>
+      <p:pic>
+        <p:nvPicPr>
+          <p:cNvPr id="4" name="Content Placeholder 3"/>
+          <p:cNvPicPr>
+            <a:picLocks noGrp="1" noChangeAspect="1"/>
+          </p:cNvPicPr>
+          <p:nvPr>
+            <p:ph idx="1"/>
+          </p:nvPr>
+        </p:nvPicPr>
+        <p:blipFill>
+          <a:blip r:embed="rId2">
+            <a:extLst>
+              <a:ext uri="{28A0092B-C50C-407E-A947-70E740481C1C}">
+                <a14:useLocalDpi xmlns:a14="http://schemas.microsoft.com/office/drawing/2010/main" val="0"/>
+              </a:ext>
+            </a:extLst>
+          </a:blip>
+          <a:stretch>
+            <a:fillRect/>
+          </a:stretch>
+        </p:blipFill>
+        <p:spPr>
+          <a:xfrm>
+            <a:off x="1036587" y="1294226"/>
+            <a:ext cx="2269322" cy="2807409"/>
+          </a:xfrm>
+        </p:spPr>
+      </p:pic>
+      <p:pic>
+        <p:nvPicPr>
+          <p:cNvPr id="5" name="Picture 4"/>
+          <p:cNvPicPr>
+            <a:picLocks noChangeAspect="1"/>
+          </p:cNvPicPr>
+          <p:nvPr/>
+        </p:nvPicPr>
+        <p:blipFill>
+          <a:blip r:embed="rId3">
+            <a:extLst>
+              <a:ext uri="{28A0092B-C50C-407E-A947-70E740481C1C}">
+                <a14:useLocalDpi xmlns:a14="http://schemas.microsoft.com/office/drawing/2010/main" val="0"/>
+              </a:ext>
+            </a:extLst>
+          </a:blip>
+          <a:stretch>
+            <a:fillRect/>
+          </a:stretch>
+        </p:blipFill>
+        <p:spPr>
+          <a:xfrm>
+            <a:off x="4276579" y="1145750"/>
+            <a:ext cx="3123028" cy="3195996"/>
+          </a:xfrm>
+          <a:prstGeom prst="rect">
+            <a:avLst/>
+          </a:prstGeom>
+        </p:spPr>
+      </p:pic>
+    </p:spTree>
+    <p:extLst>
+      <p:ext uri="{BB962C8B-B14F-4D97-AF65-F5344CB8AC3E}">
+        <p14:creationId xmlns:p14="http://schemas.microsoft.com/office/powerpoint/2010/main" val="2539932376"/>
+      </p:ext>
+    </p:extLst>
+  </p:cSld>
+  <p:clrMapOvr>
+    <a:masterClrMapping/>
+  </p:clrMapOvr>
+</p:sld>
+</file>
+
+<file path=ppt/slides/slide15.xml><?xml version="1.0" encoding="utf-8"?>
+<p:sld xmlns:a="http://schemas.openxmlformats.org/drawingml/2006/main" xmlns:r="http://schemas.openxmlformats.org/officeDocument/2006/relationships" xmlns:p="http://schemas.openxmlformats.org/presentationml/2006/main">
+  <p:cSld>
+    <p:spTree>
+      <p:nvGrpSpPr>
+        <p:cNvPr id="1" name=""/>
+        <p:cNvGrpSpPr/>
+        <p:nvPr/>
+      </p:nvGrpSpPr>
+      <p:grpSpPr>
+        <a:xfrm>
+          <a:off x="0" y="0"/>
+          <a:ext cx="0" cy="0"/>
+          <a:chOff x="0" y="0"/>
+          <a:chExt cx="0" cy="0"/>
+        </a:xfrm>
+      </p:grpSpPr>
+      <p:sp>
+        <p:nvSpPr>
+          <p:cNvPr id="2" name="Title 1"/>
+          <p:cNvSpPr>
+            <a:spLocks noGrp="1"/>
+          </p:cNvSpPr>
+          <p:nvPr>
+            <p:ph type="title"/>
+          </p:nvPr>
+        </p:nvSpPr>
+        <p:spPr/>
+        <p:txBody>
+          <a:bodyPr/>
+          <a:lstStyle/>
+          <a:p>
+            <a:pPr algn="ctr"/>
+            <a:r>
+              <a:rPr lang="en-US" dirty="0"/>
+              <a:t>Privacy</a:t>
+            </a:r>
+          </a:p>
+        </p:txBody>
+      </p:sp>
+      <p:pic>
+        <p:nvPicPr>
+          <p:cNvPr id="6" name="Content Placeholder 5"/>
+          <p:cNvPicPr>
+            <a:picLocks noGrp="1" noChangeAspect="1"/>
+          </p:cNvPicPr>
+          <p:nvPr>
+            <p:ph idx="1"/>
+          </p:nvPr>
+        </p:nvPicPr>
+        <p:blipFill>
+          <a:blip r:embed="rId2" cstate="email">
+            <a:extLst>
+              <a:ext uri="{28A0092B-C50C-407E-A947-70E740481C1C}">
+                <a14:useLocalDpi xmlns:a14="http://schemas.microsoft.com/office/drawing/2010/main" val="0"/>
+              </a:ext>
+            </a:extLst>
+          </a:blip>
+          <a:stretch>
+            <a:fillRect/>
+          </a:stretch>
+        </p:blipFill>
+        <p:spPr>
+          <a:xfrm>
+            <a:off x="1087802" y="1100138"/>
+            <a:ext cx="6990620" cy="3579812"/>
+          </a:xfrm>
+        </p:spPr>
+      </p:pic>
+    </p:spTree>
+    <p:extLst>
+      <p:ext uri="{BB962C8B-B14F-4D97-AF65-F5344CB8AC3E}">
+        <p14:creationId xmlns:p14="http://schemas.microsoft.com/office/powerpoint/2010/main" val="2952647668"/>
+      </p:ext>
+    </p:extLst>
+  </p:cSld>
+  <p:clrMapOvr>
+    <a:masterClrMapping/>
+  </p:clrMapOvr>
+</p:sld>
+</file>
+
+<file path=ppt/slides/slide16.xml><?xml version="1.0" encoding="utf-8"?>
 <p:sld xmlns:a="http://schemas.openxmlformats.org/drawingml/2006/main" xmlns:r="http://schemas.openxmlformats.org/officeDocument/2006/relationships" xmlns:p="http://schemas.openxmlformats.org/presentationml/2006/main">
   <p:cSld>
     <p:spTree>
@@ -5212,6 +5800,177 @@
           <a:bodyPr/>
           <a:lstStyle/>
           <a:p>
+            <a:r>
+              <a:rPr lang="en-US" dirty="0"/>
+              <a:t>Why v-menu</a:t>
+            </a:r>
+          </a:p>
+        </p:txBody>
+      </p:sp>
+      <p:sp>
+        <p:nvSpPr>
+          <p:cNvPr id="3" name="Content Placeholder 2"/>
+          <p:cNvSpPr>
+            <a:spLocks noGrp="1"/>
+          </p:cNvSpPr>
+          <p:nvPr>
+            <p:ph idx="1"/>
+          </p:nvPr>
+        </p:nvSpPr>
+        <p:spPr/>
+        <p:txBody>
+          <a:bodyPr>
+            <a:normAutofit/>
+          </a:bodyPr>
+          <a:lstStyle/>
+          <a:p>
+            <a:pPr>
+              <a:buFont typeface="Arial"/>
+              <a:buChar char="•"/>
+            </a:pPr>
+            <a:r>
+              <a:rPr lang="en-US" sz="2400" dirty="0"/>
+              <a:t>Convenience </a:t>
+            </a:r>
+          </a:p>
+          <a:p>
+            <a:pPr>
+              <a:buFont typeface="Arial"/>
+              <a:buChar char="•"/>
+            </a:pPr>
+            <a:r>
+              <a:rPr lang="en-US" sz="2400" dirty="0"/>
+              <a:t>Speed</a:t>
+            </a:r>
+          </a:p>
+          <a:p>
+            <a:pPr>
+              <a:buFont typeface="Arial"/>
+              <a:buChar char="•"/>
+            </a:pPr>
+            <a:r>
+              <a:rPr lang="en-US" sz="2400" dirty="0"/>
+              <a:t>Control</a:t>
+            </a:r>
+          </a:p>
+          <a:p>
+            <a:pPr>
+              <a:buFont typeface="Arial"/>
+              <a:buChar char="•"/>
+            </a:pPr>
+            <a:r>
+              <a:rPr lang="en-US" sz="2400" dirty="0"/>
+              <a:t>Customer Satisfaction</a:t>
+            </a:r>
+          </a:p>
+          <a:p>
+            <a:pPr>
+              <a:buFont typeface="Arial"/>
+              <a:buChar char="•"/>
+            </a:pPr>
+            <a:r>
+              <a:rPr lang="en-US" sz="2400" dirty="0"/>
+              <a:t>Efficient</a:t>
+            </a:r>
+          </a:p>
+          <a:p>
+            <a:pPr>
+              <a:buFont typeface="Arial"/>
+              <a:buChar char="•"/>
+            </a:pPr>
+            <a:r>
+              <a:rPr lang="en-US" sz="2400" dirty="0"/>
+              <a:t>Modern </a:t>
+            </a:r>
+          </a:p>
+          <a:p>
+            <a:pPr>
+              <a:buFont typeface="Arial"/>
+              <a:buChar char="•"/>
+            </a:pPr>
+            <a:r>
+              <a:rPr lang="en-US" sz="2400" dirty="0"/>
+              <a:t>Privacy </a:t>
+            </a:r>
+          </a:p>
+        </p:txBody>
+      </p:sp>
+      <p:pic>
+        <p:nvPicPr>
+          <p:cNvPr id="5" name="Content Placeholder 3" descr="waiter-tray_full.jpeg"/>
+          <p:cNvPicPr>
+            <a:picLocks noChangeAspect="1"/>
+          </p:cNvPicPr>
+          <p:nvPr/>
+        </p:nvPicPr>
+        <p:blipFill>
+          <a:blip r:embed="rId2" cstate="email">
+            <a:extLst>
+              <a:ext uri="{28A0092B-C50C-407E-A947-70E740481C1C}">
+                <a14:useLocalDpi xmlns:a14="http://schemas.microsoft.com/office/drawing/2010/main" val="0"/>
+              </a:ext>
+            </a:extLst>
+          </a:blip>
+          <a:srcRect l="-20072" r="-20072"/>
+          <a:stretch>
+            <a:fillRect/>
+          </a:stretch>
+        </p:blipFill>
+        <p:spPr>
+          <a:xfrm>
+            <a:off x="3353047" y="1100628"/>
+            <a:ext cx="6491830" cy="3897995"/>
+          </a:xfrm>
+          <a:prstGeom prst="rect">
+            <a:avLst/>
+          </a:prstGeom>
+        </p:spPr>
+      </p:pic>
+    </p:spTree>
+    <p:extLst>
+      <p:ext uri="{BB962C8B-B14F-4D97-AF65-F5344CB8AC3E}">
+        <p14:creationId xmlns:p14="http://schemas.microsoft.com/office/powerpoint/2010/main" val="1667595165"/>
+      </p:ext>
+    </p:extLst>
+  </p:cSld>
+  <p:clrMapOvr>
+    <a:masterClrMapping/>
+  </p:clrMapOvr>
+</p:sld>
+</file>
+
+<file path=ppt/slides/slide4.xml><?xml version="1.0" encoding="utf-8"?>
+<p:sld xmlns:a="http://schemas.openxmlformats.org/drawingml/2006/main" xmlns:r="http://schemas.openxmlformats.org/officeDocument/2006/relationships" xmlns:p="http://schemas.openxmlformats.org/presentationml/2006/main">
+  <p:cSld>
+    <p:spTree>
+      <p:nvGrpSpPr>
+        <p:cNvPr id="1" name=""/>
+        <p:cNvGrpSpPr/>
+        <p:nvPr/>
+      </p:nvGrpSpPr>
+      <p:grpSpPr>
+        <a:xfrm>
+          <a:off x="0" y="0"/>
+          <a:ext cx="0" cy="0"/>
+          <a:chOff x="0" y="0"/>
+          <a:chExt cx="0" cy="0"/>
+        </a:xfrm>
+      </p:grpSpPr>
+      <p:sp>
+        <p:nvSpPr>
+          <p:cNvPr id="2" name="Title 1"/>
+          <p:cNvSpPr>
+            <a:spLocks noGrp="1"/>
+          </p:cNvSpPr>
+          <p:nvPr>
+            <p:ph type="title"/>
+          </p:nvPr>
+        </p:nvSpPr>
+        <p:spPr/>
+        <p:txBody>
+          <a:bodyPr/>
+          <a:lstStyle/>
+          <a:p>
             <a:pPr algn="ctr"/>
             <a:endParaRPr lang="en-US" dirty="0"/>
           </a:p>
@@ -5290,7 +6049,7 @@
 </p:sld>
 </file>
 
-<file path=ppt/slides/slide4.xml><?xml version="1.0" encoding="utf-8"?>
+<file path=ppt/slides/slide5.xml><?xml version="1.0" encoding="utf-8"?>
 <p:sld xmlns:a="http://schemas.openxmlformats.org/drawingml/2006/main" xmlns:r="http://schemas.openxmlformats.org/officeDocument/2006/relationships" xmlns:p="http://schemas.openxmlformats.org/presentationml/2006/main">
   <p:cSld>
     <p:spTree>
@@ -5322,10 +6081,7 @@
           <a:bodyPr/>
           <a:lstStyle/>
           <a:p>
-            <a:r>
-              <a:rPr lang="en-US" dirty="0"/>
-              <a:t>Efficient &amp; modern</a:t>
-            </a:r>
+            <a:endParaRPr lang="en-US" dirty="0"/>
           </a:p>
         </p:txBody>
       </p:sp>
@@ -5434,7 +6190,7 @@
 </p:sld>
 </file>
 
-<file path=ppt/slides/slide5.xml><?xml version="1.0" encoding="utf-8"?>
+<file path=ppt/slides/slide6.xml><?xml version="1.0" encoding="utf-8"?>
 <p:sld xmlns:a="http://schemas.openxmlformats.org/drawingml/2006/main" xmlns:r="http://schemas.openxmlformats.org/officeDocument/2006/relationships" xmlns:p="http://schemas.openxmlformats.org/presentationml/2006/main">
   <p:cSld>
     <p:spTree>
@@ -5547,7 +6303,7 @@
 </p:sld>
 </file>
 
-<file path=ppt/slides/slide6.xml><?xml version="1.0" encoding="utf-8"?>
+<file path=ppt/slides/slide7.xml><?xml version="1.0" encoding="utf-8"?>
 <p:sld xmlns:a="http://schemas.openxmlformats.org/drawingml/2006/main" xmlns:r="http://schemas.openxmlformats.org/officeDocument/2006/relationships" xmlns:p="http://schemas.openxmlformats.org/presentationml/2006/main">
   <p:cSld>
     <p:spTree>
@@ -5579,136 +6335,43 @@
           <a:bodyPr/>
           <a:lstStyle/>
           <a:p>
-            <a:r>
-              <a:rPr lang="en-US" dirty="0"/>
-              <a:t>Why v-menu</a:t>
-            </a:r>
-          </a:p>
-        </p:txBody>
-      </p:sp>
-      <p:sp>
-        <p:nvSpPr>
-          <p:cNvPr id="3" name="Content Placeholder 2"/>
-          <p:cNvSpPr>
-            <a:spLocks noGrp="1"/>
-          </p:cNvSpPr>
-          <p:nvPr>
-            <p:ph idx="1"/>
-          </p:nvPr>
-        </p:nvSpPr>
-        <p:spPr/>
-        <p:txBody>
-          <a:bodyPr>
-            <a:normAutofit/>
-          </a:bodyPr>
-          <a:lstStyle/>
-          <a:p>
-            <a:pPr>
-              <a:buFont typeface="Arial"/>
-              <a:buChar char="•"/>
-            </a:pPr>
-            <a:r>
-              <a:rPr lang="en-US" sz="2400" dirty="0"/>
-              <a:t>Convenience </a:t>
-            </a:r>
-          </a:p>
-          <a:p>
-            <a:pPr>
-              <a:buFont typeface="Arial"/>
-              <a:buChar char="•"/>
-            </a:pPr>
-            <a:r>
-              <a:rPr lang="en-US" sz="2400" dirty="0"/>
-              <a:t>Speed</a:t>
-            </a:r>
-          </a:p>
-          <a:p>
-            <a:pPr>
-              <a:buFont typeface="Arial"/>
-              <a:buChar char="•"/>
-            </a:pPr>
-            <a:r>
-              <a:rPr lang="en-US" sz="2400" dirty="0"/>
-              <a:t>Control</a:t>
-            </a:r>
-          </a:p>
-          <a:p>
-            <a:pPr>
-              <a:buFont typeface="Arial"/>
-              <a:buChar char="•"/>
-            </a:pPr>
-            <a:r>
-              <a:rPr lang="en-US" sz="2400" dirty="0"/>
-              <a:t>Customer Satisfaction</a:t>
-            </a:r>
-          </a:p>
-          <a:p>
-            <a:pPr>
-              <a:buFont typeface="Arial"/>
-              <a:buChar char="•"/>
-            </a:pPr>
-            <a:r>
-              <a:rPr lang="en-US" sz="2400" dirty="0"/>
-              <a:t>Efficient</a:t>
-            </a:r>
-          </a:p>
-          <a:p>
-            <a:pPr>
-              <a:buFont typeface="Arial"/>
-              <a:buChar char="•"/>
-            </a:pPr>
-            <a:r>
-              <a:rPr lang="en-US" sz="2400" dirty="0"/>
-              <a:t>Modern </a:t>
-            </a:r>
-          </a:p>
-          <a:p>
-            <a:pPr>
-              <a:buFont typeface="Arial"/>
-              <a:buChar char="•"/>
-            </a:pPr>
-            <a:r>
-              <a:rPr lang="en-US" sz="2400" dirty="0"/>
-              <a:t>Privacy </a:t>
-            </a:r>
+            <a:endParaRPr lang="en-US"/>
           </a:p>
         </p:txBody>
       </p:sp>
       <p:pic>
         <p:nvPicPr>
-          <p:cNvPr id="5" name="Content Placeholder 3" descr="waiter-tray_full.jpeg"/>
+          <p:cNvPr id="4" name="Content Placeholder 3"/>
           <p:cNvPicPr>
-            <a:picLocks noChangeAspect="1"/>
+            <a:picLocks noGrp="1" noChangeAspect="1"/>
           </p:cNvPicPr>
-          <p:nvPr/>
+          <p:nvPr>
+            <p:ph idx="1"/>
+          </p:nvPr>
         </p:nvPicPr>
         <p:blipFill>
-          <a:blip r:embed="rId2" cstate="email">
+          <a:blip r:embed="rId2">
             <a:extLst>
               <a:ext uri="{28A0092B-C50C-407E-A947-70E740481C1C}">
                 <a14:useLocalDpi xmlns:a14="http://schemas.microsoft.com/office/drawing/2010/main" val="0"/>
               </a:ext>
             </a:extLst>
           </a:blip>
-          <a:srcRect l="-20072" r="-20072"/>
           <a:stretch>
             <a:fillRect/>
           </a:stretch>
         </p:blipFill>
         <p:spPr>
           <a:xfrm>
-            <a:off x="3353047" y="1100628"/>
-            <a:ext cx="6491830" cy="3897995"/>
+            <a:off x="1237957" y="820583"/>
+            <a:ext cx="5813797" cy="3596671"/>
           </a:xfrm>
-          <a:prstGeom prst="rect">
-            <a:avLst/>
-          </a:prstGeom>
         </p:spPr>
       </p:pic>
     </p:spTree>
     <p:extLst>
       <p:ext uri="{BB962C8B-B14F-4D97-AF65-F5344CB8AC3E}">
-        <p14:creationId xmlns:p14="http://schemas.microsoft.com/office/powerpoint/2010/main" val="1667595165"/>
+        <p14:creationId xmlns:p14="http://schemas.microsoft.com/office/powerpoint/2010/main" val="4053654591"/>
       </p:ext>
     </p:extLst>
   </p:cSld>
@@ -5718,7 +6381,7 @@
 </p:sld>
 </file>
 
-<file path=ppt/slides/slide7.xml><?xml version="1.0" encoding="utf-8"?>
+<file path=ppt/slides/slide8.xml><?xml version="1.0" encoding="utf-8"?>
 <p:sld xmlns:a="http://schemas.openxmlformats.org/drawingml/2006/main" xmlns:r="http://schemas.openxmlformats.org/officeDocument/2006/relationships" xmlns:p="http://schemas.openxmlformats.org/presentationml/2006/main">
   <p:cSld>
     <p:spTree>
@@ -5796,151 +6459,6 @@
 </p:sld>
 </file>
 
-<file path=ppt/slides/slide8.xml><?xml version="1.0" encoding="utf-8"?>
-<p:sld xmlns:a="http://schemas.openxmlformats.org/drawingml/2006/main" xmlns:r="http://schemas.openxmlformats.org/officeDocument/2006/relationships" xmlns:p="http://schemas.openxmlformats.org/presentationml/2006/main">
-  <p:cSld>
-    <p:spTree>
-      <p:nvGrpSpPr>
-        <p:cNvPr id="1" name=""/>
-        <p:cNvGrpSpPr/>
-        <p:nvPr/>
-      </p:nvGrpSpPr>
-      <p:grpSpPr>
-        <a:xfrm>
-          <a:off x="0" y="0"/>
-          <a:ext cx="0" cy="0"/>
-          <a:chOff x="0" y="0"/>
-          <a:chExt cx="0" cy="0"/>
-        </a:xfrm>
-      </p:grpSpPr>
-      <p:sp>
-        <p:nvSpPr>
-          <p:cNvPr id="2" name="Title 1"/>
-          <p:cNvSpPr>
-            <a:spLocks noGrp="1"/>
-          </p:cNvSpPr>
-          <p:nvPr>
-            <p:ph type="title"/>
-          </p:nvPr>
-        </p:nvSpPr>
-        <p:spPr/>
-        <p:txBody>
-          <a:bodyPr/>
-          <a:lstStyle/>
-          <a:p>
-            <a:r>
-              <a:rPr lang="en-US" dirty="0"/>
-              <a:t>Convenience &amp; Speed</a:t>
-            </a:r>
-          </a:p>
-        </p:txBody>
-      </p:sp>
-      <p:sp>
-        <p:nvSpPr>
-          <p:cNvPr id="3" name="Content Placeholder 2"/>
-          <p:cNvSpPr>
-            <a:spLocks noGrp="1"/>
-          </p:cNvSpPr>
-          <p:nvPr>
-            <p:ph idx="1"/>
-          </p:nvPr>
-        </p:nvSpPr>
-        <p:spPr/>
-        <p:txBody>
-          <a:bodyPr>
-            <a:normAutofit/>
-          </a:bodyPr>
-          <a:lstStyle/>
-          <a:p>
-            <a:r>
-              <a:rPr lang="en-US" sz="2000" dirty="0"/>
-              <a:t>Your order history is available to you and you can simply </a:t>
-            </a:r>
-          </a:p>
-          <a:p>
-            <a:r>
-              <a:rPr lang="en-US" sz="2000" dirty="0"/>
-              <a:t>	reorder your favorite item in a couple of clicks !!</a:t>
-            </a:r>
-          </a:p>
-          <a:p>
-            <a:endParaRPr lang="en-US" sz="2000" dirty="0"/>
-          </a:p>
-          <a:p>
-            <a:r>
-              <a:rPr lang="en-US" sz="2000" dirty="0"/>
-              <a:t>Fast and easy </a:t>
-            </a:r>
-          </a:p>
-          <a:p>
-            <a:r>
-              <a:rPr lang="en-US" sz="2000" dirty="0"/>
-              <a:t>for</a:t>
-            </a:r>
-          </a:p>
-          <a:p>
-            <a:r>
-              <a:rPr lang="en-US" sz="2000" dirty="0"/>
-              <a:t>Customers</a:t>
-            </a:r>
-          </a:p>
-          <a:p>
-            <a:r>
-              <a:rPr lang="en-US" sz="2000" dirty="0"/>
-              <a:t>And</a:t>
-            </a:r>
-          </a:p>
-          <a:p>
-            <a:r>
-              <a:rPr lang="en-US" sz="2000" dirty="0"/>
-              <a:t>Staff</a:t>
-            </a:r>
-          </a:p>
-        </p:txBody>
-      </p:sp>
-      <p:pic>
-        <p:nvPicPr>
-          <p:cNvPr id="5" name="Picture 4"/>
-          <p:cNvPicPr>
-            <a:picLocks noChangeAspect="1"/>
-          </p:cNvPicPr>
-          <p:nvPr/>
-        </p:nvPicPr>
-        <p:blipFill>
-          <a:blip r:embed="rId2" cstate="email">
-            <a:extLst>
-              <a:ext uri="{28A0092B-C50C-407E-A947-70E740481C1C}">
-                <a14:useLocalDpi xmlns:a14="http://schemas.microsoft.com/office/drawing/2010/main" val="0"/>
-              </a:ext>
-            </a:extLst>
-          </a:blip>
-          <a:stretch>
-            <a:fillRect/>
-          </a:stretch>
-        </p:blipFill>
-        <p:spPr>
-          <a:xfrm>
-            <a:off x="3551068" y="2198889"/>
-            <a:ext cx="4296792" cy="2416945"/>
-          </a:xfrm>
-          <a:prstGeom prst="rect">
-            <a:avLst/>
-          </a:prstGeom>
-        </p:spPr>
-      </p:pic>
-    </p:spTree>
-    <p:extLst>
-      <p:ext uri="{BB962C8B-B14F-4D97-AF65-F5344CB8AC3E}">
-        <p14:creationId xmlns:p14="http://schemas.microsoft.com/office/powerpoint/2010/main" val="2612279065"/>
-      </p:ext>
-    </p:extLst>
-  </p:cSld>
-  <p:clrMapOvr>
-    <a:masterClrMapping/>
-  </p:clrMapOvr>
-</p:sld>
-</file>
-
 <file path=ppt/slides/slide9.xml><?xml version="1.0" encoding="utf-8"?>
 <p:sld xmlns:a="http://schemas.openxmlformats.org/drawingml/2006/main" xmlns:r="http://schemas.openxmlformats.org/officeDocument/2006/relationships" xmlns:p="http://schemas.openxmlformats.org/presentationml/2006/main">
   <p:cSld>
@@ -5973,69 +6491,42 @@
           <a:bodyPr/>
           <a:lstStyle/>
           <a:p>
-            <a:r>
-              <a:rPr lang="en-US" dirty="0"/>
-              <a:t>Control &amp; customer satisfaction</a:t>
-            </a:r>
-          </a:p>
-        </p:txBody>
-      </p:sp>
-      <p:sp>
-        <p:nvSpPr>
-          <p:cNvPr id="3" name="Content Placeholder 2"/>
-          <p:cNvSpPr>
-            <a:spLocks noGrp="1"/>
-          </p:cNvSpPr>
-          <p:nvPr>
-            <p:ph idx="1"/>
-          </p:nvPr>
-        </p:nvSpPr>
-        <p:spPr/>
-        <p:txBody>
-          <a:bodyPr/>
-          <a:lstStyle/>
-          <a:p>
-            <a:r>
-              <a:rPr lang="en-US" dirty="0"/>
-              <a:t>The customer is in full control of the order and ordering process </a:t>
-            </a:r>
+            <a:endParaRPr lang="en-US"/>
           </a:p>
         </p:txBody>
       </p:sp>
       <p:pic>
         <p:nvPicPr>
-          <p:cNvPr id="4" name="Content Placeholder 3" descr="_satisfaction.png"/>
+          <p:cNvPr id="4" name="Content Placeholder 3"/>
           <p:cNvPicPr>
-            <a:picLocks noChangeAspect="1"/>
+            <a:picLocks noGrp="1" noChangeAspect="1"/>
           </p:cNvPicPr>
-          <p:nvPr/>
+          <p:nvPr>
+            <p:ph idx="1"/>
+          </p:nvPr>
         </p:nvPicPr>
         <p:blipFill>
-          <a:blip r:embed="rId2" cstate="email">
+          <a:blip r:embed="rId2">
             <a:extLst>
               <a:ext uri="{28A0092B-C50C-407E-A947-70E740481C1C}">
                 <a14:useLocalDpi xmlns:a14="http://schemas.microsoft.com/office/drawing/2010/main" val="0"/>
               </a:ext>
             </a:extLst>
           </a:blip>
-          <a:srcRect l="-55921" r="-55921"/>
           <a:stretch>
             <a:fillRect/>
           </a:stretch>
         </p:blipFill>
         <p:spPr>
           <a:xfrm>
-            <a:off x="5979294" y="365760"/>
-            <a:ext cx="3511085" cy="1671221"/>
+            <a:off x="822960" y="1033976"/>
+            <a:ext cx="2959675" cy="3341077"/>
           </a:xfrm>
-          <a:prstGeom prst="rect">
-            <a:avLst/>
-          </a:prstGeom>
         </p:spPr>
       </p:pic>
       <p:pic>
         <p:nvPicPr>
-          <p:cNvPr id="6" name="Picture 5"/>
+          <p:cNvPr id="5" name="Picture 4"/>
           <p:cNvPicPr>
             <a:picLocks noChangeAspect="1"/>
           </p:cNvPicPr>
@@ -6055,8 +6546,8 @@
         </p:blipFill>
         <p:spPr>
           <a:xfrm>
-            <a:off x="2503661" y="1967076"/>
-            <a:ext cx="4159537" cy="4710991"/>
+            <a:off x="4306473" y="640080"/>
+            <a:ext cx="3390398" cy="3291840"/>
           </a:xfrm>
           <a:prstGeom prst="rect">
             <a:avLst/>
@@ -6066,7 +6557,7 @@
     </p:spTree>
     <p:extLst>
       <p:ext uri="{BB962C8B-B14F-4D97-AF65-F5344CB8AC3E}">
-        <p14:creationId xmlns:p14="http://schemas.microsoft.com/office/powerpoint/2010/main" val="1678601394"/>
+        <p14:creationId xmlns:p14="http://schemas.microsoft.com/office/powerpoint/2010/main" val="634212738"/>
       </p:ext>
     </p:extLst>
   </p:cSld>

--- a/Design Documents/PresentationSoftEng.pptx
+++ b/Design Documents/PresentationSoftEng.pptx
@@ -20,7 +20,8 @@
     <p:sldId id="268" r:id="rId14"/>
     <p:sldId id="272" r:id="rId15"/>
     <p:sldId id="269" r:id="rId16"/>
-    <p:sldId id="267" r:id="rId17"/>
+    <p:sldId id="273" r:id="rId17"/>
+    <p:sldId id="267" r:id="rId18"/>
   </p:sldIdLst>
   <p:sldSz cx="9144000" cy="6858000" type="screen4x3"/>
   <p:notesSz cx="6858000" cy="9144000"/>
@@ -5549,6 +5550,143 @@
 </file>
 
 <file path=ppt/slides/slide16.xml><?xml version="1.0" encoding="utf-8"?>
+<p:sld xmlns:a="http://schemas.openxmlformats.org/drawingml/2006/main" xmlns:r="http://schemas.openxmlformats.org/officeDocument/2006/relationships" xmlns:p="http://schemas.openxmlformats.org/presentationml/2006/main">
+  <p:cSld>
+    <p:spTree>
+      <p:nvGrpSpPr>
+        <p:cNvPr id="1" name=""/>
+        <p:cNvGrpSpPr/>
+        <p:nvPr/>
+      </p:nvGrpSpPr>
+      <p:grpSpPr>
+        <a:xfrm>
+          <a:off x="0" y="0"/>
+          <a:ext cx="0" cy="0"/>
+          <a:chOff x="0" y="0"/>
+          <a:chExt cx="0" cy="0"/>
+        </a:xfrm>
+      </p:grpSpPr>
+      <p:sp>
+        <p:nvSpPr>
+          <p:cNvPr id="2" name="Title 1"/>
+          <p:cNvSpPr>
+            <a:spLocks noGrp="1"/>
+          </p:cNvSpPr>
+          <p:nvPr>
+            <p:ph type="title"/>
+          </p:nvPr>
+        </p:nvSpPr>
+        <p:spPr>
+          <a:xfrm>
+            <a:off x="822960" y="759656"/>
+            <a:ext cx="7520940" cy="548640"/>
+          </a:xfrm>
+        </p:spPr>
+        <p:txBody>
+          <a:bodyPr/>
+          <a:lstStyle/>
+          <a:p>
+            <a:pPr algn="ctr"/>
+            <a:r>
+              <a:rPr lang="en-US" dirty="0"/>
+              <a:t>Non-Functional Requirements</a:t>
+            </a:r>
+            <a:br>
+              <a:rPr lang="en-US" dirty="0"/>
+            </a:br>
+            <a:endParaRPr lang="en-US" dirty="0"/>
+          </a:p>
+        </p:txBody>
+      </p:sp>
+      <p:sp>
+        <p:nvSpPr>
+          <p:cNvPr id="3" name="Content Placeholder 2"/>
+          <p:cNvSpPr>
+            <a:spLocks noGrp="1"/>
+          </p:cNvSpPr>
+          <p:nvPr>
+            <p:ph idx="1"/>
+          </p:nvPr>
+        </p:nvSpPr>
+        <p:spPr>
+          <a:xfrm>
+            <a:off x="822960" y="1677403"/>
+            <a:ext cx="7520940" cy="3579849"/>
+          </a:xfrm>
+        </p:spPr>
+        <p:txBody>
+          <a:bodyPr/>
+          <a:lstStyle/>
+          <a:p>
+            <a:r>
+              <a:rPr lang="en-US" dirty="0"/>
+              <a:t>·        8 letter username for users</a:t>
+            </a:r>
+          </a:p>
+          <a:p>
+            <a:r>
+              <a:rPr lang="en-US" dirty="0"/>
+              <a:t>·        At least 5 users able to be logged in to the system</a:t>
+            </a:r>
+          </a:p>
+          <a:p>
+            <a:r>
+              <a:rPr lang="en-US" dirty="0"/>
+              <a:t>·        Keep track of certain amount of orders</a:t>
+            </a:r>
+          </a:p>
+          <a:p>
+            <a:r>
+              <a:rPr lang="en-US" dirty="0"/>
+              <a:t>·        Supports popular browsers (IE, Chrome, Firefox)</a:t>
+            </a:r>
+          </a:p>
+          <a:p>
+            <a:r>
+              <a:rPr lang="en-US" dirty="0"/>
+              <a:t>·        Passwords (At least 1 Capital, 1 number, 8 characters)</a:t>
+            </a:r>
+          </a:p>
+          <a:p>
+            <a:r>
+              <a:rPr lang="en-US" dirty="0"/>
+              <a:t>·        Recovery options for Data</a:t>
+            </a:r>
+          </a:p>
+          <a:p>
+            <a:r>
+              <a:rPr lang="en-US" dirty="0"/>
+              <a:t>·        Maintenance</a:t>
+            </a:r>
+          </a:p>
+          <a:p>
+            <a:r>
+              <a:rPr lang="en-US" dirty="0"/>
+              <a:t>·        Hidden Items, separate database</a:t>
+            </a:r>
+          </a:p>
+          <a:p>
+            <a:r>
+              <a:rPr lang="en-US" dirty="0"/>
+              <a:t>·        Account Security (Usernames and Passwords)</a:t>
+            </a:r>
+          </a:p>
+        </p:txBody>
+      </p:sp>
+    </p:spTree>
+    <p:extLst>
+      <p:ext uri="{BB962C8B-B14F-4D97-AF65-F5344CB8AC3E}">
+        <p14:creationId xmlns:p14="http://schemas.microsoft.com/office/powerpoint/2010/main" val="3300354779"/>
+      </p:ext>
+    </p:extLst>
+  </p:cSld>
+  <p:clrMapOvr>
+    <a:masterClrMapping/>
+  </p:clrMapOvr>
+</p:sld>
+</file>
+
+<file path=ppt/slides/slide17.xml><?xml version="1.0" encoding="utf-8"?>
 <p:sld xmlns:a="http://schemas.openxmlformats.org/drawingml/2006/main" xmlns:r="http://schemas.openxmlformats.org/officeDocument/2006/relationships" xmlns:p="http://schemas.openxmlformats.org/presentationml/2006/main">
   <p:cSld>
     <p:spTree>

--- a/Design Documents/PresentationSoftEng.pptx
+++ b/Design Documents/PresentationSoftEng.pptx
@@ -5214,25 +5214,6 @@
           </a:xfrm>
         </p:spPr>
       </p:pic>
-      <p:sp>
-        <p:nvSpPr>
-          <p:cNvPr id="6" name="Title 5"/>
-          <p:cNvSpPr>
-            <a:spLocks noGrp="1"/>
-          </p:cNvSpPr>
-          <p:nvPr>
-            <p:ph type="title"/>
-          </p:nvPr>
-        </p:nvSpPr>
-        <p:spPr/>
-        <p:txBody>
-          <a:bodyPr/>
-          <a:lstStyle/>
-          <a:p>
-            <a:endParaRPr lang="en-US"/>
-          </a:p>
-        </p:txBody>
-      </p:sp>
     </p:spTree>
     <p:extLst>
       <p:ext uri="{BB962C8B-B14F-4D97-AF65-F5344CB8AC3E}">
@@ -5376,25 +5357,6 @@
           <a:chExt cx="0" cy="0"/>
         </a:xfrm>
       </p:grpSpPr>
-      <p:sp>
-        <p:nvSpPr>
-          <p:cNvPr id="2" name="Title 1"/>
-          <p:cNvSpPr>
-            <a:spLocks noGrp="1"/>
-          </p:cNvSpPr>
-          <p:nvPr>
-            <p:ph type="title"/>
-          </p:nvPr>
-        </p:nvSpPr>
-        <p:spPr/>
-        <p:txBody>
-          <a:bodyPr/>
-          <a:lstStyle/>
-          <a:p>
-            <a:endParaRPr lang="en-US"/>
-          </a:p>
-        </p:txBody>
-      </p:sp>
       <p:pic>
         <p:nvPicPr>
           <p:cNvPr id="4" name="Content Placeholder 3"/>
@@ -5419,7 +5381,7 @@
         </p:blipFill>
         <p:spPr>
           <a:xfrm>
-            <a:off x="1036587" y="1294226"/>
+            <a:off x="1036587" y="984736"/>
             <a:ext cx="2269322" cy="2807409"/>
           </a:xfrm>
         </p:spPr>
@@ -5446,7 +5408,7 @@
         </p:blipFill>
         <p:spPr>
           <a:xfrm>
-            <a:off x="4276579" y="1145750"/>
+            <a:off x="4276579" y="790442"/>
             <a:ext cx="3123028" cy="3195996"/>
           </a:xfrm>
           <a:prstGeom prst="rect">
@@ -5610,7 +5572,7 @@
         </p:nvSpPr>
         <p:spPr>
           <a:xfrm>
-            <a:off x="822960" y="1677403"/>
+            <a:off x="822960" y="1592995"/>
             <a:ext cx="7520940" cy="3579849"/>
           </a:xfrm>
         </p:spPr>
@@ -5632,7 +5594,7 @@
           <a:p>
             <a:r>
               <a:rPr lang="en-US" dirty="0"/>
-              <a:t>·        Keep track of certain amount of orders</a:t>
+              <a:t>·        Keep track of concurrent and multiple orders</a:t>
             </a:r>
           </a:p>
           <a:p>
@@ -6094,26 +6056,6 @@
           <a:chExt cx="0" cy="0"/>
         </a:xfrm>
       </p:grpSpPr>
-      <p:sp>
-        <p:nvSpPr>
-          <p:cNvPr id="2" name="Title 1"/>
-          <p:cNvSpPr>
-            <a:spLocks noGrp="1"/>
-          </p:cNvSpPr>
-          <p:nvPr>
-            <p:ph type="title"/>
-          </p:nvPr>
-        </p:nvSpPr>
-        <p:spPr/>
-        <p:txBody>
-          <a:bodyPr/>
-          <a:lstStyle/>
-          <a:p>
-            <a:pPr algn="ctr"/>
-            <a:endParaRPr lang="en-US" dirty="0"/>
-          </a:p>
-        </p:txBody>
-      </p:sp>
       <p:pic>
         <p:nvPicPr>
           <p:cNvPr id="4" name="Content Placeholder 3" descr="_waitress.jpg"/>
@@ -6204,25 +6146,6 @@
           <a:chExt cx="0" cy="0"/>
         </a:xfrm>
       </p:grpSpPr>
-      <p:sp>
-        <p:nvSpPr>
-          <p:cNvPr id="2" name="Title 1"/>
-          <p:cNvSpPr>
-            <a:spLocks noGrp="1"/>
-          </p:cNvSpPr>
-          <p:nvPr>
-            <p:ph type="title"/>
-          </p:nvPr>
-        </p:nvSpPr>
-        <p:spPr/>
-        <p:txBody>
-          <a:bodyPr/>
-          <a:lstStyle/>
-          <a:p>
-            <a:endParaRPr lang="en-US" dirty="0"/>
-          </a:p>
-        </p:txBody>
-      </p:sp>
       <p:sp>
         <p:nvSpPr>
           <p:cNvPr id="3" name="Content Placeholder 2"/>
@@ -6363,7 +6286,7 @@
             <a:pPr algn="ctr"/>
             <a:r>
               <a:rPr lang="en-US" dirty="0"/>
-              <a:t>ALL The restaurants one APP</a:t>
+              <a:t>ALL restaurants one APP</a:t>
             </a:r>
           </a:p>
         </p:txBody>
@@ -6458,25 +6381,6 @@
           <a:chExt cx="0" cy="0"/>
         </a:xfrm>
       </p:grpSpPr>
-      <p:sp>
-        <p:nvSpPr>
-          <p:cNvPr id="2" name="Title 1"/>
-          <p:cNvSpPr>
-            <a:spLocks noGrp="1"/>
-          </p:cNvSpPr>
-          <p:nvPr>
-            <p:ph type="title"/>
-          </p:nvPr>
-        </p:nvSpPr>
-        <p:spPr/>
-        <p:txBody>
-          <a:bodyPr/>
-          <a:lstStyle/>
-          <a:p>
-            <a:endParaRPr lang="en-US"/>
-          </a:p>
-        </p:txBody>
-      </p:sp>
       <p:pic>
         <p:nvPicPr>
           <p:cNvPr id="4" name="Content Placeholder 3"/>
@@ -6536,25 +6440,6 @@
           <a:chExt cx="0" cy="0"/>
         </a:xfrm>
       </p:grpSpPr>
-      <p:sp>
-        <p:nvSpPr>
-          <p:cNvPr id="2" name="Title 1"/>
-          <p:cNvSpPr>
-            <a:spLocks noGrp="1"/>
-          </p:cNvSpPr>
-          <p:nvPr>
-            <p:ph type="title"/>
-          </p:nvPr>
-        </p:nvSpPr>
-        <p:spPr/>
-        <p:txBody>
-          <a:bodyPr/>
-          <a:lstStyle/>
-          <a:p>
-            <a:endParaRPr lang="en-US" dirty="0"/>
-          </a:p>
-        </p:txBody>
-      </p:sp>
       <p:pic>
         <p:nvPicPr>
           <p:cNvPr id="7" name="Content Placeholder 6"/>
@@ -6614,25 +6499,6 @@
           <a:chExt cx="0" cy="0"/>
         </a:xfrm>
       </p:grpSpPr>
-      <p:sp>
-        <p:nvSpPr>
-          <p:cNvPr id="2" name="Title 1"/>
-          <p:cNvSpPr>
-            <a:spLocks noGrp="1"/>
-          </p:cNvSpPr>
-          <p:nvPr>
-            <p:ph type="title"/>
-          </p:nvPr>
-        </p:nvSpPr>
-        <p:spPr/>
-        <p:txBody>
-          <a:bodyPr/>
-          <a:lstStyle/>
-          <a:p>
-            <a:endParaRPr lang="en-US"/>
-          </a:p>
-        </p:txBody>
-      </p:sp>
       <p:pic>
         <p:nvPicPr>
           <p:cNvPr id="4" name="Content Placeholder 3"/>
@@ -6657,7 +6523,7 @@
         </p:blipFill>
         <p:spPr>
           <a:xfrm>
-            <a:off x="822960" y="1033976"/>
+            <a:off x="696351" y="766690"/>
             <a:ext cx="2959675" cy="3341077"/>
           </a:xfrm>
         </p:spPr>
@@ -6684,7 +6550,7 @@
         </p:blipFill>
         <p:spPr>
           <a:xfrm>
-            <a:off x="4306473" y="640080"/>
+            <a:off x="4475285" y="288387"/>
             <a:ext cx="3390398" cy="3291840"/>
           </a:xfrm>
           <a:prstGeom prst="rect">
